--- a/Poster/Project Seminar Poster 25 v4.pptx
+++ b/Poster/Project Seminar Poster 25 v4.pptx
@@ -411,7 +411,7 @@
               <a:pPr>
                 <a:defRPr/>
               </a:pPr>
-              <a:t>‹#›</a:t>
+              <a:t>‹Nr.›</a:t>
             </a:fld>
             <a:endParaRPr lang="de-DE" altLang="de-DE"/>
           </a:p>
@@ -719,7 +719,7 @@
               <a:pPr>
                 <a:defRPr/>
               </a:pPr>
-              <a:t>‹#›</a:t>
+              <a:t>‹Nr.›</a:t>
             </a:fld>
             <a:endParaRPr lang="de-DE" altLang="de-DE"/>
           </a:p>
@@ -1776,7 +1776,7 @@
               <a:pPr>
                 <a:defRPr/>
               </a:pPr>
-              <a:t>‹#›</a:t>
+              <a:t>‹Nr.›</a:t>
             </a:fld>
             <a:endParaRPr lang="de-DE" altLang="de-DE" dirty="0"/>
           </a:p>
@@ -2343,7 +2343,7 @@
               <a:pPr>
                 <a:defRPr/>
               </a:pPr>
-              <a:t>‹#›</a:t>
+              <a:t>‹Nr.›</a:t>
             </a:fld>
             <a:endParaRPr lang="de-DE" altLang="de-DE" dirty="0"/>
           </a:p>
@@ -2961,7 +2961,7 @@
               <a:pPr>
                 <a:defRPr/>
               </a:pPr>
-              <a:t>‹#›</a:t>
+              <a:t>‹Nr.›</a:t>
             </a:fld>
             <a:endParaRPr lang="de-DE" altLang="de-DE" dirty="0"/>
           </a:p>
@@ -3579,7 +3579,7 @@
               <a:pPr>
                 <a:defRPr/>
               </a:pPr>
-              <a:t>‹#›</a:t>
+              <a:t>‹Nr.›</a:t>
             </a:fld>
             <a:endParaRPr lang="de-DE" altLang="de-DE" dirty="0"/>
           </a:p>
@@ -3894,7 +3894,7 @@
               <a:pPr>
                 <a:defRPr/>
               </a:pPr>
-              <a:t>‹#›</a:t>
+              <a:t>‹Nr.›</a:t>
             </a:fld>
             <a:endParaRPr lang="de-DE" altLang="de-DE" dirty="0"/>
           </a:p>
@@ -4396,8 +4396,8 @@
         </p:nvSpPr>
         <p:spPr bwMode="auto">
           <a:xfrm flipH="1" flipV="1">
-            <a:off x="22996" y="3078263"/>
-            <a:ext cx="23726096" cy="277431"/>
+            <a:off x="-14126" y="3078262"/>
+            <a:ext cx="23763218" cy="277431"/>
           </a:xfrm>
           <a:prstGeom prst="rect">
             <a:avLst/>
@@ -4669,7 +4669,7 @@
         <p:spPr>
           <a:xfrm>
             <a:off x="1685587" y="3816236"/>
-            <a:ext cx="26373682" cy="5523351"/>
+            <a:ext cx="26373682" cy="4783693"/>
           </a:xfrm>
           <a:prstGeom prst="rect">
             <a:avLst/>
@@ -5436,8 +5436,8 @@
         </p:nvSpPr>
         <p:spPr>
           <a:xfrm>
-            <a:off x="15166741" y="13947546"/>
-            <a:ext cx="12545336" cy="14614940"/>
+            <a:off x="15835427" y="13982483"/>
+            <a:ext cx="12545336" cy="16544457"/>
           </a:xfrm>
           <a:prstGeom prst="rect">
             <a:avLst/>
@@ -5751,6 +5751,18 @@
             </a:r>
           </a:p>
           <a:p>
+            <a:pPr algn="just">
+              <a:lnSpc>
+                <a:spcPct val="150000"/>
+              </a:lnSpc>
+            </a:pPr>
+            <a:endParaRPr lang="en-US" sz="1000" dirty="0">
+              <a:solidFill>
+                <a:schemeClr val="tx1"/>
+              </a:solidFill>
+            </a:endParaRPr>
+          </a:p>
+          <a:p>
             <a:pPr algn="l">
               <a:lnSpc>
                 <a:spcPct val="150000"/>
@@ -5786,12 +5798,20 @@
               </a:lnSpc>
             </a:pPr>
             <a:r>
+              <a:rPr lang="en-US" sz="2400" dirty="0">
+                <a:solidFill>
+                  <a:schemeClr val="tx1"/>
+                </a:solidFill>
+              </a:rPr>
+              <a:t>Find a</a:t>
+            </a:r>
+            <a:r>
               <a:rPr lang="en-US" sz="2400" b="1" dirty="0">
                 <a:solidFill>
                   <a:schemeClr val="tx1"/>
                 </a:solidFill>
               </a:rPr>
-              <a:t>Find a suitable model </a:t>
+              <a:t> suitable model </a:t>
             </a:r>
             <a:r>
               <a:rPr lang="en-US" sz="2400" dirty="0">
@@ -5799,7 +5819,7 @@
                   <a:schemeClr val="tx1"/>
                 </a:solidFill>
               </a:rPr>
-              <a:t>able to predict the required AWG input spectra, given the desired AOM output spectra and </a:t>
+              <a:t>able to predict the required AWG input spectra, given the desired AOM output spectra and observe the </a:t>
             </a:r>
             <a:r>
               <a:rPr lang="en-US" sz="2400" b="1" dirty="0">
@@ -5807,7 +5827,7 @@
                   <a:schemeClr val="tx1"/>
                 </a:solidFill>
               </a:rPr>
-              <a:t>observe</a:t>
+              <a:t>impact of </a:t>
             </a:r>
             <a:r>
               <a:rPr lang="en-US" sz="2400" dirty="0">
@@ -5815,7 +5835,7 @@
                   <a:schemeClr val="tx1"/>
                 </a:solidFill>
               </a:rPr>
-              <a:t> the </a:t>
+              <a:t>different </a:t>
             </a:r>
             <a:r>
               <a:rPr lang="en-US" sz="2400" b="1" dirty="0">
@@ -5823,7 +5843,7 @@
                   <a:schemeClr val="tx1"/>
                 </a:solidFill>
               </a:rPr>
-              <a:t>impact of </a:t>
+              <a:t>hyperparameters,</a:t>
             </a:r>
             <a:r>
               <a:rPr lang="en-US" sz="2400" dirty="0">
@@ -5831,7 +5851,7 @@
                   <a:schemeClr val="tx1"/>
                 </a:solidFill>
               </a:rPr>
-              <a:t>different </a:t>
+              <a:t> </a:t>
             </a:r>
             <a:r>
               <a:rPr lang="en-US" sz="2400" b="1" dirty="0">
@@ -5839,7 +5859,7 @@
                   <a:schemeClr val="tx1"/>
                 </a:solidFill>
               </a:rPr>
-              <a:t>hyperparameters,</a:t>
+              <a:t>changes in the simulation &amp; non-linearity</a:t>
             </a:r>
             <a:r>
               <a:rPr lang="en-US" sz="2400" dirty="0">
@@ -5847,7 +5867,7 @@
                   <a:schemeClr val="tx1"/>
                 </a:solidFill>
               </a:rPr>
-              <a:t> </a:t>
+              <a:t> on the </a:t>
             </a:r>
             <a:r>
               <a:rPr lang="en-US" sz="2400" b="1" dirty="0">
@@ -5855,7 +5875,7 @@
                   <a:schemeClr val="tx1"/>
                 </a:solidFill>
               </a:rPr>
-              <a:t>changes in the simulation &amp; non-linearity</a:t>
+              <a:t>model performance</a:t>
             </a:r>
             <a:r>
               <a:rPr lang="en-US" sz="2400" dirty="0">
@@ -5863,68 +5883,7 @@
                   <a:schemeClr val="tx1"/>
                 </a:solidFill>
               </a:rPr>
-              <a:t> </a:t>
-            </a:r>
-            <a:r>
-              <a:rPr lang="en-US" sz="2400" b="1" dirty="0">
-                <a:solidFill>
-                  <a:schemeClr val="tx1"/>
-                </a:solidFill>
-              </a:rPr>
-              <a:t>on</a:t>
-            </a:r>
-            <a:r>
-              <a:rPr lang="en-US" sz="2400" dirty="0">
-                <a:solidFill>
-                  <a:schemeClr val="tx1"/>
-                </a:solidFill>
-              </a:rPr>
-              <a:t> the </a:t>
-            </a:r>
-            <a:r>
-              <a:rPr lang="en-US" sz="2400" b="1" dirty="0">
-                <a:solidFill>
-                  <a:schemeClr val="tx1"/>
-                </a:solidFill>
-              </a:rPr>
-              <a:t>model performance</a:t>
-            </a:r>
-            <a:r>
-              <a:rPr lang="en-US" sz="2400" dirty="0">
-                <a:solidFill>
-                  <a:schemeClr val="tx1"/>
-                </a:solidFill>
-              </a:rPr>
               <a:t>.</a:t>
-            </a:r>
-          </a:p>
-          <a:p>
-            <a:pPr algn="l">
-              <a:lnSpc>
-                <a:spcPct val="150000"/>
-              </a:lnSpc>
-              <a:spcBef>
-                <a:spcPts val="1200"/>
-              </a:spcBef>
-              <a:spcAft>
-                <a:spcPts val="1200"/>
-              </a:spcAft>
-            </a:pPr>
-            <a:r>
-              <a:rPr lang="de-DE" sz="3200" b="1" dirty="0">
-                <a:solidFill>
-                  <a:srgbClr val="19406B"/>
-                </a:solidFill>
-              </a:rPr>
-              <a:t>Data Processing </a:t>
-            </a:r>
-            <a:r>
-              <a:rPr lang="de-DE" sz="1200" dirty="0">
-                <a:solidFill>
-                  <a:schemeClr val="tx1"/>
-                </a:solidFill>
-              </a:rPr>
-              <a:t>[Image 3]</a:t>
             </a:r>
           </a:p>
           <a:p>
@@ -5933,61 +5892,39 @@
                 <a:spcPct val="150000"/>
               </a:lnSpc>
             </a:pPr>
-            <a:r>
-              <a:rPr lang="en-US" sz="2400" dirty="0">
-                <a:solidFill>
-                  <a:schemeClr val="tx1"/>
-                </a:solidFill>
-              </a:rPr>
-              <a:t>Each AWG </a:t>
-            </a:r>
-            <a:r>
-              <a:rPr lang="en-US" sz="2400" b="1" dirty="0">
-                <a:solidFill>
-                  <a:schemeClr val="tx1"/>
-                </a:solidFill>
-              </a:rPr>
-              <a:t>input</a:t>
-            </a:r>
-            <a:r>
-              <a:rPr lang="en-US" sz="2400" dirty="0">
-                <a:solidFill>
-                  <a:schemeClr val="tx1"/>
-                </a:solidFill>
-              </a:rPr>
-              <a:t> spectrum has </a:t>
-            </a:r>
-            <a:r>
-              <a:rPr lang="en-US" sz="2400" b="1" dirty="0">
-                <a:solidFill>
-                  <a:schemeClr val="tx1"/>
-                </a:solidFill>
-              </a:rPr>
-              <a:t>11 complex valued Fourier coefficients </a:t>
-            </a:r>
-            <a:r>
-              <a:rPr lang="en-US" sz="2400" dirty="0">
-                <a:solidFill>
-                  <a:schemeClr val="tx1"/>
-                </a:solidFill>
-              </a:rPr>
-              <a:t>(22 real valued parameters) at 11 frequencies ranging from 95 to 105 </a:t>
-            </a:r>
-            <a:r>
-              <a:rPr lang="en-US" sz="2400" dirty="0" err="1">
-                <a:solidFill>
-                  <a:schemeClr val="tx1"/>
-                </a:solidFill>
-              </a:rPr>
-              <a:t>MHz.</a:t>
-            </a:r>
-            <a:r>
-              <a:rPr lang="en-US" sz="2400" dirty="0">
-                <a:solidFill>
-                  <a:schemeClr val="tx1"/>
-                </a:solidFill>
-              </a:rPr>
-              <a:t> </a:t>
+            <a:endParaRPr lang="en-US" sz="800" dirty="0">
+              <a:solidFill>
+                <a:schemeClr val="tx1"/>
+              </a:solidFill>
+            </a:endParaRPr>
+          </a:p>
+          <a:p>
+            <a:pPr algn="l">
+              <a:lnSpc>
+                <a:spcPct val="150000"/>
+              </a:lnSpc>
+              <a:spcBef>
+                <a:spcPts val="1200"/>
+              </a:spcBef>
+              <a:spcAft>
+                <a:spcPts val="1200"/>
+              </a:spcAft>
+            </a:pPr>
+            <a:r>
+              <a:rPr lang="de-DE" sz="3200" b="1" dirty="0">
+                <a:solidFill>
+                  <a:srgbClr val="19406B"/>
+                </a:solidFill>
+              </a:rPr>
+              <a:t>Data Processing </a:t>
+            </a:r>
+            <a:r>
+              <a:rPr lang="de-DE" sz="1200" dirty="0">
+                <a:solidFill>
+                  <a:schemeClr val="tx1"/>
+                </a:solidFill>
+              </a:rPr>
+              <a:t>[Image 3]</a:t>
             </a:r>
           </a:p>
           <a:p>
@@ -6002,7 +5939,7 @@
                   <a:schemeClr val="tx1"/>
                 </a:solidFill>
               </a:rPr>
-              <a:t>Similar, each AOM </a:t>
+              <a:t>Each AWG </a:t>
             </a:r>
             <a:r>
               <a:rPr lang="en-US" sz="2400" b="1" dirty="0">
@@ -6010,7 +5947,7 @@
                   <a:schemeClr val="tx1"/>
                 </a:solidFill>
               </a:rPr>
-              <a:t>output</a:t>
+              <a:t>input</a:t>
             </a:r>
             <a:r>
               <a:rPr lang="en-US" sz="2400" dirty="0">
@@ -6026,7 +5963,7 @@
                   <a:schemeClr val="tx1"/>
                 </a:solidFill>
               </a:rPr>
-              <a:t>101 complex valued Fourier coefficients </a:t>
+              <a:t>11 complex valued Fourier coefficients </a:t>
             </a:r>
             <a:r>
               <a:rPr lang="en-US" sz="2400" dirty="0">
@@ -6034,7 +5971,7 @@
                   <a:schemeClr val="tx1"/>
                 </a:solidFill>
               </a:rPr>
-              <a:t>(202 real valued parameters) at 101 frequencies ranging from 50 to 150 </a:t>
+              <a:t>(22 real valued parameters) at 11 frequencies ranging from 95 to 105 </a:t>
             </a:r>
             <a:r>
               <a:rPr lang="en-US" sz="2400" dirty="0" err="1">
@@ -6065,7 +6002,7 @@
                   <a:schemeClr val="tx1"/>
                 </a:solidFill>
               </a:rPr>
-              <a:t>The </a:t>
+              <a:t>Similar, each AOM </a:t>
             </a:r>
             <a:r>
               <a:rPr lang="en-US" sz="2400" b="1" dirty="0">
@@ -6073,7 +6010,7 @@
                   <a:schemeClr val="tx1"/>
                 </a:solidFill>
               </a:rPr>
-              <a:t>training data </a:t>
+              <a:t>output</a:t>
             </a:r>
             <a:r>
               <a:rPr lang="en-US" sz="2400" dirty="0">
@@ -6081,7 +6018,7 @@
                   <a:schemeClr val="tx1"/>
                 </a:solidFill>
               </a:rPr>
-              <a:t>is generated without noise and missing values. For this we </a:t>
+              <a:t> spectrum has </a:t>
             </a:r>
             <a:r>
               <a:rPr lang="en-US" sz="2400" b="1" dirty="0">
@@ -6089,7 +6026,7 @@
                   <a:schemeClr val="tx1"/>
                 </a:solidFill>
               </a:rPr>
-              <a:t>sample</a:t>
+              <a:t>101 complex valued Fourier coefficients </a:t>
             </a:r>
             <a:r>
               <a:rPr lang="en-US" sz="2400" dirty="0">
@@ -6097,15 +6034,15 @@
                   <a:schemeClr val="tx1"/>
                 </a:solidFill>
               </a:rPr>
-              <a:t> the potential </a:t>
-            </a:r>
-            <a:r>
-              <a:rPr lang="en-US" sz="2400" b="1" dirty="0">
-                <a:solidFill>
-                  <a:schemeClr val="tx1"/>
-                </a:solidFill>
-              </a:rPr>
-              <a:t>AWG input</a:t>
+              <a:t>(202 real valued parameters) at 101 frequencies ranging from 50 to 150 </a:t>
+            </a:r>
+            <a:r>
+              <a:rPr lang="en-US" sz="2400" dirty="0" err="1">
+                <a:solidFill>
+                  <a:schemeClr val="tx1"/>
+                </a:solidFill>
+              </a:rPr>
+              <a:t>MHz.</a:t>
             </a:r>
             <a:r>
               <a:rPr lang="en-US" sz="2400" dirty="0">
@@ -6113,23 +6050,7 @@
                   <a:schemeClr val="tx1"/>
                 </a:solidFill>
               </a:rPr>
-              <a:t> spectra by </a:t>
-            </a:r>
-            <a:r>
-              <a:rPr lang="en-US" sz="2400" b="1" dirty="0">
-                <a:solidFill>
-                  <a:schemeClr val="tx1"/>
-                </a:solidFill>
-              </a:rPr>
-              <a:t>randomly selecting points</a:t>
-            </a:r>
-            <a:r>
-              <a:rPr lang="en-US" sz="2400" dirty="0">
-                <a:solidFill>
-                  <a:schemeClr val="tx1"/>
-                </a:solidFill>
-              </a:rPr>
-              <a:t> on the surface of a 22-dimensional sphere, ensuring that the norm is constant.</a:t>
+              <a:t> </a:t>
             </a:r>
           </a:p>
           <a:p>
@@ -6144,7 +6065,7 @@
                   <a:schemeClr val="tx1"/>
                 </a:solidFill>
               </a:rPr>
-              <a:t>The AOM output is obtained by </a:t>
+              <a:t>The </a:t>
             </a:r>
             <a:r>
               <a:rPr lang="en-US" sz="2400" b="1" dirty="0">
@@ -6152,7 +6073,7 @@
                   <a:schemeClr val="tx1"/>
                 </a:solidFill>
               </a:rPr>
-              <a:t>simulating</a:t>
+              <a:t>training data </a:t>
             </a:r>
             <a:r>
               <a:rPr lang="en-US" sz="2400" dirty="0">
@@ -6160,7 +6081,7 @@
                   <a:schemeClr val="tx1"/>
                 </a:solidFill>
               </a:rPr>
-              <a:t> </a:t>
+              <a:t>is generated without noise and missing values. For this we </a:t>
             </a:r>
             <a:r>
               <a:rPr lang="en-US" sz="2400" b="1" dirty="0">
@@ -6168,7 +6089,7 @@
                   <a:schemeClr val="tx1"/>
                 </a:solidFill>
               </a:rPr>
-              <a:t>the</a:t>
+              <a:t>sample</a:t>
             </a:r>
             <a:r>
               <a:rPr lang="en-US" sz="2400" dirty="0">
@@ -6176,7 +6097,7 @@
                   <a:schemeClr val="tx1"/>
                 </a:solidFill>
               </a:rPr>
-              <a:t> </a:t>
+              <a:t> the potential </a:t>
             </a:r>
             <a:r>
               <a:rPr lang="en-US" sz="2400" b="1" dirty="0">
@@ -6184,7 +6105,7 @@
                   <a:schemeClr val="tx1"/>
                 </a:solidFill>
               </a:rPr>
-              <a:t>AOM</a:t>
+              <a:t>AWG input</a:t>
             </a:r>
             <a:r>
               <a:rPr lang="en-US" sz="2400" dirty="0">
@@ -6192,7 +6113,7 @@
                   <a:schemeClr val="tx1"/>
                 </a:solidFill>
               </a:rPr>
-              <a:t> using a provided </a:t>
+              <a:t> spectra by </a:t>
             </a:r>
             <a:r>
               <a:rPr lang="en-US" sz="2400" b="1" dirty="0">
@@ -6200,7 +6121,7 @@
                   <a:schemeClr val="tx1"/>
                 </a:solidFill>
               </a:rPr>
-              <a:t>mathematical model</a:t>
+              <a:t>randomly selecting points</a:t>
             </a:r>
             <a:r>
               <a:rPr lang="en-US" sz="2400" dirty="0">
@@ -6208,7 +6129,7 @@
                   <a:schemeClr val="tx1"/>
                 </a:solidFill>
               </a:rPr>
-              <a:t> which is physically motivated and similar in complexity.</a:t>
+              <a:t> on the surface of a 22-dimensional sphere, ensuring that the norm is constant.</a:t>
             </a:r>
           </a:p>
           <a:p>
@@ -6218,12 +6139,20 @@
               </a:lnSpc>
             </a:pPr>
             <a:r>
+              <a:rPr lang="en-US" sz="2400" dirty="0">
+                <a:solidFill>
+                  <a:schemeClr val="tx1"/>
+                </a:solidFill>
+              </a:rPr>
+              <a:t>The AOM output is obtained by </a:t>
+            </a:r>
+            <a:r>
               <a:rPr lang="en-US" sz="2400" b="1" dirty="0">
                 <a:solidFill>
                   <a:schemeClr val="tx1"/>
                 </a:solidFill>
               </a:rPr>
-              <a:t>Using both </a:t>
+              <a:t>simulating</a:t>
             </a:r>
             <a:r>
               <a:rPr lang="en-US" sz="2400" dirty="0">
@@ -6231,7 +6160,7 @@
                   <a:schemeClr val="tx1"/>
                 </a:solidFill>
               </a:rPr>
-              <a:t>the simulated AOM output spectra as input for the model and the sampled AWG input spectra as desired output of the model, we </a:t>
+              <a:t> </a:t>
             </a:r>
             <a:r>
               <a:rPr lang="en-US" sz="2400" b="1" dirty="0">
@@ -6239,7 +6168,7 @@
                   <a:schemeClr val="tx1"/>
                 </a:solidFill>
               </a:rPr>
-              <a:t>train the model</a:t>
+              <a:t>the</a:t>
             </a:r>
             <a:r>
               <a:rPr lang="en-US" sz="2400" dirty="0">
@@ -6247,7 +6176,165 @@
                   <a:schemeClr val="tx1"/>
                 </a:solidFill>
               </a:rPr>
-              <a:t>, LOSS.</a:t>
+              <a:t> </a:t>
+            </a:r>
+            <a:r>
+              <a:rPr lang="en-US" sz="2400" b="1" dirty="0">
+                <a:solidFill>
+                  <a:schemeClr val="tx1"/>
+                </a:solidFill>
+              </a:rPr>
+              <a:t>AOM</a:t>
+            </a:r>
+            <a:r>
+              <a:rPr lang="en-US" sz="2400" dirty="0">
+                <a:solidFill>
+                  <a:schemeClr val="tx1"/>
+                </a:solidFill>
+              </a:rPr>
+              <a:t> using a provided </a:t>
+            </a:r>
+            <a:r>
+              <a:rPr lang="en-US" sz="2400" b="1" dirty="0">
+                <a:solidFill>
+                  <a:schemeClr val="tx1"/>
+                </a:solidFill>
+              </a:rPr>
+              <a:t>mathematical model</a:t>
+            </a:r>
+            <a:r>
+              <a:rPr lang="en-US" sz="2400" dirty="0">
+                <a:solidFill>
+                  <a:schemeClr val="tx1"/>
+                </a:solidFill>
+              </a:rPr>
+              <a:t> which is physically motivated and similar in complexity.</a:t>
+            </a:r>
+          </a:p>
+          <a:p>
+            <a:pPr algn="just">
+              <a:lnSpc>
+                <a:spcPct val="150000"/>
+              </a:lnSpc>
+            </a:pPr>
+            <a:r>
+              <a:rPr lang="en-US" sz="2400" dirty="0">
+                <a:solidFill>
+                  <a:schemeClr val="tx1"/>
+                </a:solidFill>
+              </a:rPr>
+              <a:t>The</a:t>
+            </a:r>
+            <a:r>
+              <a:rPr lang="en-US" sz="2400" b="1" dirty="0">
+                <a:solidFill>
+                  <a:schemeClr val="tx1"/>
+                </a:solidFill>
+              </a:rPr>
+              <a:t> training data </a:t>
+            </a:r>
+            <a:r>
+              <a:rPr lang="en-US" sz="2400" dirty="0">
+                <a:solidFill>
+                  <a:schemeClr val="tx1"/>
+                </a:solidFill>
+              </a:rPr>
+              <a:t>now consists of both</a:t>
+            </a:r>
+            <a:r>
+              <a:rPr lang="en-US" sz="2400" b="1" dirty="0">
+                <a:solidFill>
+                  <a:schemeClr val="tx1"/>
+                </a:solidFill>
+              </a:rPr>
+              <a:t> </a:t>
+            </a:r>
+            <a:r>
+              <a:rPr lang="en-US" sz="2400" dirty="0">
+                <a:solidFill>
+                  <a:schemeClr val="tx1"/>
+                </a:solidFill>
+              </a:rPr>
+              <a:t>the </a:t>
+            </a:r>
+            <a:r>
+              <a:rPr lang="en-US" sz="2400" b="1" dirty="0">
+                <a:solidFill>
+                  <a:schemeClr val="tx1"/>
+                </a:solidFill>
+              </a:rPr>
+              <a:t>simulated AOM output spectra as input</a:t>
+            </a:r>
+            <a:r>
+              <a:rPr lang="en-US" sz="2400" dirty="0">
+                <a:solidFill>
+                  <a:schemeClr val="tx1"/>
+                </a:solidFill>
+              </a:rPr>
+              <a:t> for the model and the sampled </a:t>
+            </a:r>
+            <a:r>
+              <a:rPr lang="en-US" sz="2400" b="1" dirty="0">
+                <a:solidFill>
+                  <a:schemeClr val="tx1"/>
+                </a:solidFill>
+              </a:rPr>
+              <a:t>AWG input spectra as desired output </a:t>
+            </a:r>
+            <a:r>
+              <a:rPr lang="en-US" sz="2400" dirty="0">
+                <a:solidFill>
+                  <a:schemeClr val="tx1"/>
+                </a:solidFill>
+              </a:rPr>
+              <a:t>of the model.</a:t>
+            </a:r>
+          </a:p>
+          <a:p>
+            <a:pPr algn="just">
+              <a:lnSpc>
+                <a:spcPct val="150000"/>
+              </a:lnSpc>
+            </a:pPr>
+            <a:r>
+              <a:rPr lang="en-US" sz="2400" dirty="0">
+                <a:solidFill>
+                  <a:schemeClr val="tx1"/>
+                </a:solidFill>
+              </a:rPr>
+              <a:t>We </a:t>
+            </a:r>
+            <a:r>
+              <a:rPr lang="en-US" sz="2400" b="1" dirty="0">
+                <a:solidFill>
+                  <a:schemeClr val="tx1"/>
+                </a:solidFill>
+              </a:rPr>
+              <a:t>train </a:t>
+            </a:r>
+            <a:r>
+              <a:rPr lang="en-US" sz="2400" dirty="0">
+                <a:solidFill>
+                  <a:schemeClr val="tx1"/>
+                </a:solidFill>
+              </a:rPr>
+              <a:t>the model, utilizing the mean absolute error (</a:t>
+            </a:r>
+            <a:r>
+              <a:rPr lang="en-US" sz="2400" b="1" dirty="0">
+                <a:solidFill>
+                  <a:schemeClr val="tx1"/>
+                </a:solidFill>
+              </a:rPr>
+              <a:t>MAE</a:t>
+            </a:r>
+            <a:r>
+              <a:rPr lang="en-US" sz="2400" dirty="0">
+                <a:solidFill>
+                  <a:schemeClr val="tx1"/>
+                </a:solidFill>
+              </a:rPr>
+              <a:t>) as the loss function and by gradually reducing the learning rate.</a:t>
             </a:r>
           </a:p>
           <a:p>
@@ -6369,7 +6456,7 @@
                 <a:latin typeface="Segoe UI" panose="020B0502040204020203" pitchFamily="34" charset="0"/>
                 <a:cs typeface="Segoe UI" panose="020B0502040204020203" pitchFamily="34" charset="0"/>
               </a:rPr>
-              <a:t>Visualisation</a:t>
+              <a:t>Visualization</a:t>
             </a:r>
             <a:r>
               <a:rPr lang="de-DE" sz="3200" b="1" dirty="0">
@@ -6474,8 +6561,8 @@
         </p:nvSpPr>
         <p:spPr>
           <a:xfrm>
-            <a:off x="10241062" y="704116"/>
-            <a:ext cx="21386376" cy="1846659"/>
+            <a:off x="852218" y="378196"/>
+            <a:ext cx="21386376" cy="2308324"/>
           </a:xfrm>
           <a:prstGeom prst="rect">
             <a:avLst/>
@@ -6488,58 +6575,40 @@
           </a:bodyPr>
           <a:lstStyle/>
           <a:p>
-            <a:r>
-              <a:rPr lang="en-US" sz="9600" dirty="0">
+            <a:pPr algn="r"/>
+            <a:r>
+              <a:rPr lang="en-US" sz="7200" dirty="0">
                 <a:solidFill>
                   <a:srgbClr val="19406B"/>
                 </a:solidFill>
                 <a:latin typeface="Segoe UI" panose="020B0502040204020203" pitchFamily="34" charset="0"/>
                 <a:cs typeface="Segoe UI" panose="020B0502040204020203" pitchFamily="34" charset="0"/>
               </a:rPr>
-              <a:t>DSAI Project Seminar</a:t>
-            </a:r>
-          </a:p>
-          <a:p>
-            <a:endParaRPr lang="de-DE" dirty="0"/>
+              <a:t>Project Seminar </a:t>
+            </a:r>
+            <a:br>
+              <a:rPr lang="en-US" sz="7200" dirty="0">
+                <a:solidFill>
+                  <a:srgbClr val="19406B"/>
+                </a:solidFill>
+                <a:latin typeface="Segoe UI" panose="020B0502040204020203" pitchFamily="34" charset="0"/>
+                <a:cs typeface="Segoe UI" panose="020B0502040204020203" pitchFamily="34" charset="0"/>
+              </a:rPr>
+            </a:br>
+            <a:r>
+              <a:rPr lang="en-US" sz="7200" dirty="0">
+                <a:solidFill>
+                  <a:srgbClr val="19406B"/>
+                </a:solidFill>
+                <a:latin typeface="Segoe UI" panose="020B0502040204020203" pitchFamily="34" charset="0"/>
+                <a:cs typeface="Segoe UI" panose="020B0502040204020203" pitchFamily="34" charset="0"/>
+              </a:rPr>
+              <a:t>Data Science and Artificial Intelligence</a:t>
+            </a:r>
+            <a:endParaRPr lang="de-DE" sz="7200" dirty="0"/>
           </a:p>
         </p:txBody>
       </p:sp>
-      <p:pic>
-        <p:nvPicPr>
-          <p:cNvPr id="12" name="Graphic 11">
-            <a:extLst>
-              <a:ext uri="{FF2B5EF4-FFF2-40B4-BE49-F238E27FC236}">
-                <a16:creationId xmlns:a16="http://schemas.microsoft.com/office/drawing/2014/main" id="{5AE62232-3523-6D71-C1CE-90AE8896FEA4}"/>
-              </a:ext>
-            </a:extLst>
-          </p:cNvPr>
-          <p:cNvPicPr>
-            <a:picLocks noChangeAspect="1"/>
-          </p:cNvPicPr>
-          <p:nvPr/>
-        </p:nvPicPr>
-        <p:blipFill>
-          <a:blip r:embed="rId3">
-            <a:extLst>
-              <a:ext uri="{96DAC541-7B7A-43D3-8B79-37D633B846F1}">
-                <asvg:svgBlip xmlns:asvg="http://schemas.microsoft.com/office/drawing/2016/SVG/main" r:embed="rId4"/>
-              </a:ext>
-            </a:extLst>
-          </a:blip>
-          <a:stretch>
-            <a:fillRect/>
-          </a:stretch>
-        </p:blipFill>
-        <p:spPr>
-          <a:xfrm>
-            <a:off x="12278948" y="9528299"/>
-            <a:ext cx="8684437" cy="4342219"/>
-          </a:xfrm>
-          <a:prstGeom prst="rect">
-            <a:avLst/>
-          </a:prstGeom>
-        </p:spPr>
-      </p:pic>
       <p:sp>
         <p:nvSpPr>
           <p:cNvPr id="19" name="TextBox 18">
@@ -6577,41 +6646,6 @@
       </p:sp>
       <p:sp>
         <p:nvSpPr>
-          <p:cNvPr id="20" name="TextBox 19">
-            <a:extLst>
-              <a:ext uri="{FF2B5EF4-FFF2-40B4-BE49-F238E27FC236}">
-                <a16:creationId xmlns:a16="http://schemas.microsoft.com/office/drawing/2014/main" id="{0AB3B10A-BDE5-9B53-86E8-1C9F932DF43E}"/>
-              </a:ext>
-            </a:extLst>
-          </p:cNvPr>
-          <p:cNvSpPr txBox="1"/>
-          <p:nvPr/>
-        </p:nvSpPr>
-        <p:spPr>
-          <a:xfrm>
-            <a:off x="1935976" y="19733487"/>
-            <a:ext cx="3384376" cy="276999"/>
-          </a:xfrm>
-          <a:prstGeom prst="rect">
-            <a:avLst/>
-          </a:prstGeom>
-          <a:noFill/>
-        </p:spPr>
-        <p:txBody>
-          <a:bodyPr wrap="square" rtlCol="0">
-            <a:spAutoFit/>
-          </a:bodyPr>
-          <a:lstStyle/>
-          <a:p>
-            <a:r>
-              <a:rPr lang="de-DE" sz="1200" dirty="0"/>
-              <a:t>Image 2</a:t>
-            </a:r>
-          </a:p>
-        </p:txBody>
-      </p:sp>
-      <p:sp>
-        <p:nvSpPr>
           <p:cNvPr id="28" name="TextBox 27">
             <a:extLst>
               <a:ext uri="{FF2B5EF4-FFF2-40B4-BE49-F238E27FC236}">
@@ -6624,7 +6658,7 @@
         </p:nvSpPr>
         <p:spPr>
           <a:xfrm>
-            <a:off x="2133600" y="28007934"/>
+            <a:off x="1693365" y="27121945"/>
             <a:ext cx="4166686" cy="861774"/>
           </a:xfrm>
           <a:prstGeom prst="rect">
@@ -6668,7 +6702,7 @@
         </p:nvSpPr>
         <p:spPr>
           <a:xfrm>
-            <a:off x="7518004" y="29056130"/>
+            <a:off x="6489591" y="28475201"/>
             <a:ext cx="3240360" cy="584775"/>
           </a:xfrm>
           <a:prstGeom prst="rect">
@@ -6710,15 +6744,15 @@
           <p:nvPr/>
         </p:nvPicPr>
         <p:blipFill>
-          <a:blip r:embed="rId5"/>
+          <a:blip r:embed="rId3"/>
           <a:stretch>
             <a:fillRect/>
           </a:stretch>
         </p:blipFill>
         <p:spPr>
           <a:xfrm>
-            <a:off x="7581137" y="29883743"/>
-            <a:ext cx="7317326" cy="4913062"/>
+            <a:off x="6712607" y="29526193"/>
+            <a:ext cx="8657296" cy="5812756"/>
           </a:xfrm>
           <a:prstGeom prst="rect">
             <a:avLst/>
@@ -6740,15 +6774,15 @@
           <p:nvPr/>
         </p:nvPicPr>
         <p:blipFill>
-          <a:blip r:embed="rId6"/>
+          <a:blip r:embed="rId4"/>
           <a:stretch>
             <a:fillRect/>
           </a:stretch>
         </p:blipFill>
         <p:spPr>
           <a:xfrm>
-            <a:off x="7613479" y="34977979"/>
-            <a:ext cx="7285135" cy="4569918"/>
+            <a:off x="6712607" y="35363716"/>
+            <a:ext cx="8578939" cy="5381513"/>
           </a:xfrm>
           <a:prstGeom prst="rect">
             <a:avLst/>
@@ -6770,14 +6804,14 @@
           <p:nvPr/>
         </p:nvPicPr>
         <p:blipFill>
-          <a:blip r:embed="rId7"/>
+          <a:blip r:embed="rId5"/>
           <a:stretch>
             <a:fillRect/>
           </a:stretch>
         </p:blipFill>
         <p:spPr>
           <a:xfrm>
-            <a:off x="15896177" y="29613913"/>
+            <a:off x="17388944" y="30752105"/>
             <a:ext cx="10917451" cy="4954455"/>
           </a:xfrm>
           <a:prstGeom prst="rect">
@@ -6800,14 +6834,14 @@
           <p:nvPr/>
         </p:nvPicPr>
         <p:blipFill>
-          <a:blip r:embed="rId8"/>
+          <a:blip r:embed="rId6"/>
           <a:stretch>
             <a:fillRect/>
           </a:stretch>
         </p:blipFill>
         <p:spPr>
           <a:xfrm>
-            <a:off x="15896177" y="34793532"/>
+            <a:off x="17388944" y="35931724"/>
             <a:ext cx="10917451" cy="4954455"/>
           </a:xfrm>
           <a:prstGeom prst="rect">
@@ -6830,14 +6864,14 @@
           <p:nvPr/>
         </p:nvPicPr>
         <p:blipFill>
-          <a:blip r:embed="rId9"/>
+          <a:blip r:embed="rId7"/>
           <a:stretch>
             <a:fillRect/>
           </a:stretch>
         </p:blipFill>
         <p:spPr>
           <a:xfrm>
-            <a:off x="21359429" y="10277010"/>
+            <a:off x="21359429" y="10351020"/>
             <a:ext cx="6946966" cy="3376998"/>
           </a:xfrm>
           <a:prstGeom prst="rect">
@@ -6845,65 +6879,6 @@
           </a:prstGeom>
         </p:spPr>
       </p:pic>
-      <p:sp>
-        <p:nvSpPr>
-          <p:cNvPr id="9" name="TextBox 8">
-            <a:extLst>
-              <a:ext uri="{FF2B5EF4-FFF2-40B4-BE49-F238E27FC236}">
-                <a16:creationId xmlns:a16="http://schemas.microsoft.com/office/drawing/2014/main" id="{2D13F211-B746-D889-2A40-4E4C48A7B6D3}"/>
-              </a:ext>
-            </a:extLst>
-          </p:cNvPr>
-          <p:cNvSpPr txBox="1"/>
-          <p:nvPr/>
-        </p:nvSpPr>
-        <p:spPr>
-          <a:xfrm>
-            <a:off x="21361225" y="9623988"/>
-            <a:ext cx="4079848" cy="461665"/>
-          </a:xfrm>
-          <a:prstGeom prst="rect">
-            <a:avLst/>
-          </a:prstGeom>
-          <a:noFill/>
-        </p:spPr>
-        <p:txBody>
-          <a:bodyPr wrap="square" rtlCol="0">
-            <a:spAutoFit/>
-          </a:bodyPr>
-          <a:lstStyle/>
-          <a:p>
-            <a:r>
-              <a:rPr lang="de-DE" sz="2400" b="1" dirty="0" err="1">
-                <a:latin typeface="Segoe UI" panose="020B0502040204020203" pitchFamily="34" charset="0"/>
-                <a:cs typeface="Segoe UI" panose="020B0502040204020203" pitchFamily="34" charset="0"/>
-              </a:rPr>
-              <a:t>Application</a:t>
-            </a:r>
-            <a:r>
-              <a:rPr lang="de-DE" sz="2400" b="1" dirty="0">
-                <a:latin typeface="Segoe UI" panose="020B0502040204020203" pitchFamily="34" charset="0"/>
-                <a:cs typeface="Segoe UI" panose="020B0502040204020203" pitchFamily="34" charset="0"/>
-              </a:rPr>
-              <a:t> </a:t>
-            </a:r>
-            <a:r>
-              <a:rPr lang="de-DE" sz="2400" b="1" dirty="0" err="1">
-                <a:latin typeface="Segoe UI" panose="020B0502040204020203" pitchFamily="34" charset="0"/>
-                <a:cs typeface="Segoe UI" panose="020B0502040204020203" pitchFamily="34" charset="0"/>
-              </a:rPr>
-              <a:t>of</a:t>
-            </a:r>
-            <a:r>
-              <a:rPr lang="de-DE" sz="2400" b="1" dirty="0">
-                <a:latin typeface="Segoe UI" panose="020B0502040204020203" pitchFamily="34" charset="0"/>
-                <a:cs typeface="Segoe UI" panose="020B0502040204020203" pitchFamily="34" charset="0"/>
-              </a:rPr>
-              <a:t> Setup: Real</a:t>
-            </a:r>
-          </a:p>
-        </p:txBody>
-      </p:sp>
       <p:sp>
         <p:nvSpPr>
           <p:cNvPr id="11" name="Oval 10">
@@ -6918,8 +6893,8 @@
         </p:nvSpPr>
         <p:spPr>
           <a:xfrm>
-            <a:off x="25307783" y="11202851"/>
-            <a:ext cx="1329287" cy="1279095"/>
+            <a:off x="25515463" y="11195506"/>
+            <a:ext cx="1008111" cy="972950"/>
           </a:xfrm>
           <a:prstGeom prst="ellipse">
             <a:avLst/>
@@ -6968,13 +6943,16 @@
         </p:nvCxnSpPr>
         <p:spPr>
           <a:xfrm flipH="1">
-            <a:off x="26410320" y="9854820"/>
+            <a:off x="26410320" y="9928830"/>
             <a:ext cx="792088" cy="1278840"/>
           </a:xfrm>
           <a:prstGeom prst="straightConnector1">
             <a:avLst/>
           </a:prstGeom>
           <a:ln w="57150">
+            <a:solidFill>
+              <a:srgbClr val="C00000"/>
+            </a:solidFill>
             <a:tailEnd type="triangle"/>
           </a:ln>
         </p:spPr>
@@ -7007,7 +6985,7 @@
         </p:nvSpPr>
         <p:spPr>
           <a:xfrm>
-            <a:off x="27300643" y="9623988"/>
+            <a:off x="27300643" y="9697998"/>
             <a:ext cx="1080120" cy="461665"/>
           </a:xfrm>
           <a:prstGeom prst="rect">
@@ -7028,12 +7006,124 @@
           </a:p>
         </p:txBody>
       </p:sp>
+      <p:sp>
+        <p:nvSpPr>
+          <p:cNvPr id="42" name="TextBox 41">
+            <a:extLst>
+              <a:ext uri="{FF2B5EF4-FFF2-40B4-BE49-F238E27FC236}">
+                <a16:creationId xmlns:a16="http://schemas.microsoft.com/office/drawing/2014/main" id="{668E3D94-C0D2-18F9-83EA-E2BB7E7EA871}"/>
+              </a:ext>
+            </a:extLst>
+          </p:cNvPr>
+          <p:cNvSpPr txBox="1"/>
+          <p:nvPr/>
+        </p:nvSpPr>
+        <p:spPr>
+          <a:xfrm>
+            <a:off x="1787633" y="26335215"/>
+            <a:ext cx="2141532" cy="276999"/>
+          </a:xfrm>
+          <a:prstGeom prst="rect">
+            <a:avLst/>
+          </a:prstGeom>
+          <a:noFill/>
+        </p:spPr>
+        <p:txBody>
+          <a:bodyPr wrap="square" rtlCol="0">
+            <a:spAutoFit/>
+          </a:bodyPr>
+          <a:lstStyle/>
+          <a:p>
+            <a:r>
+              <a:rPr lang="de-DE" sz="1200" dirty="0">
+                <a:latin typeface="Segoe UI" panose="020B0502040204020203" pitchFamily="34" charset="0"/>
+                <a:cs typeface="Segoe UI" panose="020B0502040204020203" pitchFamily="34" charset="0"/>
+              </a:rPr>
+              <a:t>Image 3</a:t>
+            </a:r>
+          </a:p>
+        </p:txBody>
+      </p:sp>
       <p:pic>
         <p:nvPicPr>
-          <p:cNvPr id="41" name="Graphic 40">
+          <p:cNvPr id="13" name="Grafik 12">
             <a:extLst>
               <a:ext uri="{FF2B5EF4-FFF2-40B4-BE49-F238E27FC236}">
-                <a16:creationId xmlns:a16="http://schemas.microsoft.com/office/drawing/2014/main" id="{DC89D46E-77F8-D00B-FE75-1756E7CF2771}"/>
+                <a16:creationId xmlns:a16="http://schemas.microsoft.com/office/drawing/2014/main" id="{8ED4BDB6-E627-30EB-25BB-AF208B06B165}"/>
+              </a:ext>
+            </a:extLst>
+          </p:cNvPr>
+          <p:cNvPicPr>
+            <a:picLocks noChangeAspect="1"/>
+          </p:cNvPicPr>
+          <p:nvPr/>
+        </p:nvPicPr>
+        <p:blipFill>
+          <a:blip r:embed="rId8">
+            <a:extLst>
+              <a:ext uri="{96DAC541-7B7A-43D3-8B79-37D633B846F1}">
+                <asvg:svgBlip xmlns:asvg="http://schemas.microsoft.com/office/drawing/2016/SVG/main" r:embed="rId9"/>
+              </a:ext>
+            </a:extLst>
+          </a:blip>
+          <a:stretch>
+            <a:fillRect/>
+          </a:stretch>
+        </p:blipFill>
+        <p:spPr>
+          <a:xfrm>
+            <a:off x="2168413" y="14621611"/>
+            <a:ext cx="12611320" cy="7003866"/>
+          </a:xfrm>
+          <a:prstGeom prst="rect">
+            <a:avLst/>
+          </a:prstGeom>
+        </p:spPr>
+      </p:pic>
+      <p:sp>
+        <p:nvSpPr>
+          <p:cNvPr id="46" name="TextBox 45">
+            <a:extLst>
+              <a:ext uri="{FF2B5EF4-FFF2-40B4-BE49-F238E27FC236}">
+                <a16:creationId xmlns:a16="http://schemas.microsoft.com/office/drawing/2014/main" id="{187BF792-5E9F-406E-D43F-3842EE8D243F}"/>
+              </a:ext>
+            </a:extLst>
+          </p:cNvPr>
+          <p:cNvSpPr txBox="1"/>
+          <p:nvPr/>
+        </p:nvSpPr>
+        <p:spPr>
+          <a:xfrm>
+            <a:off x="1791073" y="20931867"/>
+            <a:ext cx="1224136" cy="276999"/>
+          </a:xfrm>
+          <a:prstGeom prst="rect">
+            <a:avLst/>
+          </a:prstGeom>
+          <a:noFill/>
+        </p:spPr>
+        <p:txBody>
+          <a:bodyPr wrap="square" rtlCol="0">
+            <a:spAutoFit/>
+          </a:bodyPr>
+          <a:lstStyle/>
+          <a:p>
+            <a:r>
+              <a:rPr lang="de-DE" sz="1200" dirty="0">
+                <a:latin typeface="Segoe UI" panose="020B0502040204020203" pitchFamily="34" charset="0"/>
+                <a:cs typeface="Segoe UI" panose="020B0502040204020203" pitchFamily="34" charset="0"/>
+              </a:rPr>
+              <a:t>Image 2</a:t>
+            </a:r>
+          </a:p>
+        </p:txBody>
+      </p:sp>
+      <p:pic>
+        <p:nvPicPr>
+          <p:cNvPr id="17" name="Grafik 16">
+            <a:extLst>
+              <a:ext uri="{FF2B5EF4-FFF2-40B4-BE49-F238E27FC236}">
+                <a16:creationId xmlns:a16="http://schemas.microsoft.com/office/drawing/2014/main" id="{7D9B6B17-A76D-6D26-6EDA-C3C0BE4F6357}"/>
               </a:ext>
             </a:extLst>
           </p:cNvPr>
@@ -7056,8 +7146,8 @@
         </p:blipFill>
         <p:spPr>
           <a:xfrm>
-            <a:off x="1714721" y="22801136"/>
-            <a:ext cx="12957957" cy="4913062"/>
+            <a:off x="12140118" y="9564751"/>
+            <a:ext cx="8554152" cy="4277078"/>
           </a:xfrm>
           <a:prstGeom prst="rect">
             <a:avLst/>
@@ -7066,10 +7156,10 @@
       </p:pic>
       <p:sp>
         <p:nvSpPr>
-          <p:cNvPr id="42" name="TextBox 41">
+          <p:cNvPr id="21" name="TextBox 21">
             <a:extLst>
               <a:ext uri="{FF2B5EF4-FFF2-40B4-BE49-F238E27FC236}">
-                <a16:creationId xmlns:a16="http://schemas.microsoft.com/office/drawing/2014/main" id="{668E3D94-C0D2-18F9-83EA-E2BB7E7EA871}"/>
+                <a16:creationId xmlns:a16="http://schemas.microsoft.com/office/drawing/2014/main" id="{A84B82A1-1755-D893-D546-4FFF30568FF4}"/>
               </a:ext>
             </a:extLst>
           </p:cNvPr>
@@ -7078,8 +7168,8 @@
         </p:nvSpPr>
         <p:spPr>
           <a:xfrm>
-            <a:off x="1944443" y="27287203"/>
-            <a:ext cx="2141532" cy="276999"/>
+            <a:off x="21354902" y="9666688"/>
+            <a:ext cx="1080120" cy="461665"/>
           </a:xfrm>
           <a:prstGeom prst="rect">
             <a:avLst/>
@@ -7093,21 +7183,63 @@
           <a:lstStyle/>
           <a:p>
             <a:r>
-              <a:rPr lang="de-DE" sz="1200" dirty="0">
-                <a:latin typeface="Segoe UI" panose="020B0502040204020203" pitchFamily="34" charset="0"/>
-                <a:cs typeface="Segoe UI" panose="020B0502040204020203" pitchFamily="34" charset="0"/>
-              </a:rPr>
-              <a:t>Image 3</a:t>
+              <a:rPr lang="de-DE" sz="2400" b="1" dirty="0"/>
+              <a:t>Laser</a:t>
             </a:r>
           </a:p>
         </p:txBody>
       </p:sp>
+      <p:cxnSp>
+        <p:nvCxnSpPr>
+          <p:cNvPr id="23" name="Straight Arrow Connector 14">
+            <a:extLst>
+              <a:ext uri="{FF2B5EF4-FFF2-40B4-BE49-F238E27FC236}">
+                <a16:creationId xmlns:a16="http://schemas.microsoft.com/office/drawing/2014/main" id="{B17A2587-AE8C-C18E-3281-A6D7EF70B063}"/>
+              </a:ext>
+            </a:extLst>
+          </p:cNvPr>
+          <p:cNvCxnSpPr>
+            <a:cxnSpLocks/>
+            <a:stCxn id="21" idx="2"/>
+          </p:cNvCxnSpPr>
+          <p:nvPr/>
+        </p:nvCxnSpPr>
+        <p:spPr>
+          <a:xfrm>
+            <a:off x="21894962" y="10128353"/>
+            <a:ext cx="819475" cy="1190660"/>
+          </a:xfrm>
+          <a:prstGeom prst="straightConnector1">
+            <a:avLst/>
+          </a:prstGeom>
+          <a:ln w="57150">
+            <a:solidFill>
+              <a:srgbClr val="C00000"/>
+            </a:solidFill>
+            <a:tailEnd type="triangle"/>
+          </a:ln>
+        </p:spPr>
+        <p:style>
+          <a:lnRef idx="2">
+            <a:schemeClr val="accent1"/>
+          </a:lnRef>
+          <a:fillRef idx="0">
+            <a:schemeClr val="accent1"/>
+          </a:fillRef>
+          <a:effectRef idx="1">
+            <a:schemeClr val="accent1"/>
+          </a:effectRef>
+          <a:fontRef idx="minor">
+            <a:schemeClr val="tx1"/>
+          </a:fontRef>
+        </p:style>
+      </p:cxnSp>
       <p:pic>
         <p:nvPicPr>
-          <p:cNvPr id="44" name="Graphic 43">
+          <p:cNvPr id="32" name="Grafik 31">
             <a:extLst>
               <a:ext uri="{FF2B5EF4-FFF2-40B4-BE49-F238E27FC236}">
-                <a16:creationId xmlns:a16="http://schemas.microsoft.com/office/drawing/2014/main" id="{21CD76AF-2DE4-E0F2-4448-0B6A229F988B}"/>
+                <a16:creationId xmlns:a16="http://schemas.microsoft.com/office/drawing/2014/main" id="{E8E1EA63-F35B-9E2C-B064-72BBBA441822}"/>
               </a:ext>
             </a:extLst>
           </p:cNvPr>
@@ -7130,58 +7262,20 @@
         </p:blipFill>
         <p:spPr>
           <a:xfrm>
-            <a:off x="1748308" y="14966558"/>
-            <a:ext cx="13049106" cy="6635138"/>
+            <a:off x="1693365" y="22412207"/>
+            <a:ext cx="12856596" cy="3923008"/>
           </a:xfrm>
           <a:prstGeom prst="rect">
             <a:avLst/>
           </a:prstGeom>
         </p:spPr>
       </p:pic>
-      <p:sp>
-        <p:nvSpPr>
-          <p:cNvPr id="46" name="TextBox 45">
+      <p:pic>
+        <p:nvPicPr>
+          <p:cNvPr id="38" name="Grafik 37">
             <a:extLst>
               <a:ext uri="{FF2B5EF4-FFF2-40B4-BE49-F238E27FC236}">
-                <a16:creationId xmlns:a16="http://schemas.microsoft.com/office/drawing/2014/main" id="{187BF792-5E9F-406E-D43F-3842EE8D243F}"/>
-              </a:ext>
-            </a:extLst>
-          </p:cNvPr>
-          <p:cNvSpPr txBox="1"/>
-          <p:nvPr/>
-        </p:nvSpPr>
-        <p:spPr>
-          <a:xfrm>
-            <a:off x="1780122" y="21182205"/>
-            <a:ext cx="1224136" cy="276999"/>
-          </a:xfrm>
-          <a:prstGeom prst="rect">
-            <a:avLst/>
-          </a:prstGeom>
-          <a:noFill/>
-        </p:spPr>
-        <p:txBody>
-          <a:bodyPr wrap="square" rtlCol="0">
-            <a:spAutoFit/>
-          </a:bodyPr>
-          <a:lstStyle/>
-          <a:p>
-            <a:r>
-              <a:rPr lang="de-DE" sz="1200" dirty="0">
-                <a:latin typeface="Segoe UI" panose="020B0502040204020203" pitchFamily="34" charset="0"/>
-                <a:cs typeface="Segoe UI" panose="020B0502040204020203" pitchFamily="34" charset="0"/>
-              </a:rPr>
-              <a:t>Image 2</a:t>
-            </a:r>
-          </a:p>
-        </p:txBody>
-      </p:sp>
-      <p:pic>
-        <p:nvPicPr>
-          <p:cNvPr id="48" name="Graphic 47">
-            <a:extLst>
-              <a:ext uri="{FF2B5EF4-FFF2-40B4-BE49-F238E27FC236}">
-                <a16:creationId xmlns:a16="http://schemas.microsoft.com/office/drawing/2014/main" id="{02567E9E-431E-52EE-9A8C-8D3D448163BA}"/>
+                <a16:creationId xmlns:a16="http://schemas.microsoft.com/office/drawing/2014/main" id="{DE53EBF6-F2FE-72C0-BA03-76034217CEEF}"/>
               </a:ext>
             </a:extLst>
           </p:cNvPr>
@@ -7204,8 +7298,38 @@
         </p:blipFill>
         <p:spPr>
           <a:xfrm>
-            <a:off x="2668912" y="28707613"/>
-            <a:ext cx="2753437" cy="11377839"/>
+            <a:off x="2020647" y="27714499"/>
+            <a:ext cx="3100557" cy="12812219"/>
+          </a:xfrm>
+          <a:prstGeom prst="rect">
+            <a:avLst/>
+          </a:prstGeom>
+        </p:spPr>
+      </p:pic>
+      <p:pic>
+        <p:nvPicPr>
+          <p:cNvPr id="43" name="Grafik 42" descr="Ein Bild, das Kreis, Grafiken, Schrift, Screenshot enthält.&#10;&#10;KI-generierte Inhalte können fehlerhaft sein.">
+            <a:extLst>
+              <a:ext uri="{FF2B5EF4-FFF2-40B4-BE49-F238E27FC236}">
+                <a16:creationId xmlns:a16="http://schemas.microsoft.com/office/drawing/2014/main" id="{8B6DB07E-7391-A347-A6FF-6C05B3535AE8}"/>
+              </a:ext>
+            </a:extLst>
+          </p:cNvPr>
+          <p:cNvPicPr>
+            <a:picLocks noChangeAspect="1"/>
+          </p:cNvPicPr>
+          <p:nvPr/>
+        </p:nvPicPr>
+        <p:blipFill>
+          <a:blip r:embed="rId16"/>
+          <a:stretch>
+            <a:fillRect/>
+          </a:stretch>
+        </p:blipFill>
+        <p:spPr>
+          <a:xfrm>
+            <a:off x="424179" y="315058"/>
+            <a:ext cx="5435872" cy="2428320"/>
           </a:xfrm>
           <a:prstGeom prst="rect">
             <a:avLst/>
@@ -8122,6 +8246,24 @@
 </file>
 
 <file path=customXml/item1.xml><?xml version="1.0" encoding="utf-8"?>
+<p:properties xmlns:p="http://schemas.microsoft.com/office/2006/metadata/properties" xmlns:xsi="http://www.w3.org/2001/XMLSchema-instance" xmlns:pc="http://schemas.microsoft.com/office/infopath/2007/PartnerControls">
+  <documentManagement>
+    <Datei_x002d_Typ xmlns="0d8a9e77-e5df-4dea-a25d-6fd5fe8176f9">pptx</Datei_x002d_Typ>
+    <Vorlagen_x002d_Typ xmlns="0d8a9e77-e5df-4dea-a25d-6fd5fe8176f9">Poster wissenschaftlich</Vorlagen_x002d_Typ>
+  </documentManagement>
+</p:properties>
+</file>
+
+<file path=customXml/item2.xml><?xml version="1.0" encoding="utf-8"?>
+<?mso-contentType ?>
+<FormTemplates xmlns="http://schemas.microsoft.com/sharepoint/v3/contenttype/forms">
+  <Display>DocumentLibraryForm</Display>
+  <Edit>DocumentLibraryForm</Edit>
+  <New>DocumentLibraryForm</New>
+</FormTemplates>
+</file>
+
+<file path=customXml/item3.xml><?xml version="1.0" encoding="utf-8"?>
 <ct:contentTypeSchema xmlns:ct="http://schemas.microsoft.com/office/2006/metadata/contentType" xmlns:ma="http://schemas.microsoft.com/office/2006/metadata/properties/metaAttributes" ct:_="" ma:_="" ma:contentTypeName="Dokument" ma:contentTypeID="0x010100BF561F2B26307F469647E24EC60BB400" ma:contentTypeVersion="6" ma:contentTypeDescription="Ein neues Dokument erstellen." ma:contentTypeScope="" ma:versionID="4f979b4d35c23bcdf0530eadb6f3b4ca">
   <xsd:schema xmlns:xsd="http://www.w3.org/2001/XMLSchema" xmlns:xs="http://www.w3.org/2001/XMLSchema" xmlns:p="http://schemas.microsoft.com/office/2006/metadata/properties" xmlns:ns2="0d8a9e77-e5df-4dea-a25d-6fd5fe8176f9" targetNamespace="http://schemas.microsoft.com/office/2006/metadata/properties" ma:root="true" ma:fieldsID="839fb1b8b8081b8bc7e16d8b7b076f17" ns2:_="">
     <xsd:import namespace="0d8a9e77-e5df-4dea-a25d-6fd5fe8176f9"/>
@@ -8299,25 +8441,25 @@
 </ct:contentTypeSchema>
 </file>
 
-<file path=customXml/item2.xml><?xml version="1.0" encoding="utf-8"?>
-<?mso-contentType ?>
-<FormTemplates xmlns="http://schemas.microsoft.com/sharepoint/v3/contenttype/forms">
-  <Display>DocumentLibraryForm</Display>
-  <Edit>DocumentLibraryForm</Edit>
-  <New>DocumentLibraryForm</New>
-</FormTemplates>
+<file path=customXml/itemProps1.xml><?xml version="1.0" encoding="utf-8"?>
+<ds:datastoreItem xmlns:ds="http://schemas.openxmlformats.org/officeDocument/2006/customXml" ds:itemID="{93A96314-6CE3-4747-8FFF-5DB3352FDD8D}">
+  <ds:schemaRefs>
+    <ds:schemaRef ds:uri="http://schemas.microsoft.com/office/2006/metadata/properties"/>
+    <ds:schemaRef ds:uri="http://schemas.microsoft.com/office/infopath/2007/PartnerControls"/>
+    <ds:schemaRef ds:uri="0d8a9e77-e5df-4dea-a25d-6fd5fe8176f9"/>
+  </ds:schemaRefs>
+</ds:datastoreItem>
 </file>
 
-<file path=customXml/item3.xml><?xml version="1.0" encoding="utf-8"?>
-<p:properties xmlns:p="http://schemas.microsoft.com/office/2006/metadata/properties" xmlns:xsi="http://www.w3.org/2001/XMLSchema-instance" xmlns:pc="http://schemas.microsoft.com/office/infopath/2007/PartnerControls">
-  <documentManagement>
-    <Datei_x002d_Typ xmlns="0d8a9e77-e5df-4dea-a25d-6fd5fe8176f9">pptx</Datei_x002d_Typ>
-    <Vorlagen_x002d_Typ xmlns="0d8a9e77-e5df-4dea-a25d-6fd5fe8176f9">Poster wissenschaftlich</Vorlagen_x002d_Typ>
-  </documentManagement>
-</p:properties>
+<file path=customXml/itemProps2.xml><?xml version="1.0" encoding="utf-8"?>
+<ds:datastoreItem xmlns:ds="http://schemas.openxmlformats.org/officeDocument/2006/customXml" ds:itemID="{5DC7943D-E0B0-4C98-87CE-5E1D610D3EF0}">
+  <ds:schemaRefs>
+    <ds:schemaRef ds:uri="http://schemas.microsoft.com/sharepoint/v3/contenttype/forms"/>
+  </ds:schemaRefs>
+</ds:datastoreItem>
 </file>
 
-<file path=customXml/itemProps1.xml><?xml version="1.0" encoding="utf-8"?>
+<file path=customXml/itemProps3.xml><?xml version="1.0" encoding="utf-8"?>
 <ds:datastoreItem xmlns:ds="http://schemas.openxmlformats.org/officeDocument/2006/customXml" ds:itemID="{61CF5FA1-F6B2-4E1C-B324-AB3FEA1CBC13}">
   <ds:schemaRefs>
     <ds:schemaRef ds:uri="http://schemas.microsoft.com/office/2006/metadata/contentType"/>
@@ -8333,22 +8475,4 @@
     <ds:schemaRef ds:uri="http://schemas.microsoft.com/internal/obd"/>
   </ds:schemaRefs>
 </ds:datastoreItem>
-</file>
-
-<file path=customXml/itemProps2.xml><?xml version="1.0" encoding="utf-8"?>
-<ds:datastoreItem xmlns:ds="http://schemas.openxmlformats.org/officeDocument/2006/customXml" ds:itemID="{5DC7943D-E0B0-4C98-87CE-5E1D610D3EF0}">
-  <ds:schemaRefs>
-    <ds:schemaRef ds:uri="http://schemas.microsoft.com/sharepoint/v3/contenttype/forms"/>
-  </ds:schemaRefs>
-</ds:datastoreItem>
-</file>
-
-<file path=customXml/itemProps3.xml><?xml version="1.0" encoding="utf-8"?>
-<ds:datastoreItem xmlns:ds="http://schemas.openxmlformats.org/officeDocument/2006/customXml" ds:itemID="{93A96314-6CE3-4747-8FFF-5DB3352FDD8D}">
-  <ds:schemaRefs>
-    <ds:schemaRef ds:uri="http://schemas.microsoft.com/office/2006/metadata/properties"/>
-    <ds:schemaRef ds:uri="http://schemas.microsoft.com/office/infopath/2007/PartnerControls"/>
-    <ds:schemaRef ds:uri="0d8a9e77-e5df-4dea-a25d-6fd5fe8176f9"/>
-  </ds:schemaRefs>
-</ds:datastoreItem>
 </file>
--- a/Poster/Project Seminar Poster 25 v4.pptx
+++ b/Poster/Project Seminar Poster 25 v4.pptx
@@ -2387,7 +2387,7 @@
               <a:pPr>
                 <a:defRPr/>
               </a:pPr>
-              <a:t>23.06.2025</a:t>
+              <a:t>24.06.2025</a:t>
             </a:fld>
             <a:endParaRPr lang="de-DE" dirty="0"/>
           </a:p>
@@ -3005,7 +3005,7 @@
               <a:pPr>
                 <a:defRPr/>
               </a:pPr>
-              <a:t>23.06.2025</a:t>
+              <a:t>24.06.2025</a:t>
             </a:fld>
             <a:endParaRPr lang="de-DE" dirty="0"/>
           </a:p>
@@ -3623,7 +3623,7 @@
               <a:pPr>
                 <a:defRPr/>
               </a:pPr>
-              <a:t>23.06.2025</a:t>
+              <a:t>24.06.2025</a:t>
             </a:fld>
             <a:endParaRPr lang="de-DE" dirty="0"/>
           </a:p>
@@ -5643,7 +5643,7 @@
                   <a:schemeClr val="tx1"/>
                 </a:solidFill>
               </a:rPr>
-              <a:t>concrete frequency spectra </a:t>
+              <a:t>concrete laser frequency spectra </a:t>
             </a:r>
             <a:r>
               <a:rPr lang="en-US" sz="2400" dirty="0">
@@ -5651,7 +5651,7 @@
                   <a:schemeClr val="tx1"/>
                 </a:solidFill>
               </a:rPr>
-              <a:t>are often needed. Due to </a:t>
+              <a:t>are often needed. Due to the highly </a:t>
             </a:r>
             <a:r>
               <a:rPr lang="en-US" sz="2400" b="1" dirty="0">
@@ -5675,7 +5675,7 @@
                   <a:schemeClr val="tx1"/>
                 </a:solidFill>
               </a:rPr>
-              <a:t>complex input-output relationships of the AOM,</a:t>
+              <a:t>complex </a:t>
             </a:r>
             <a:r>
               <a:rPr lang="en-US" sz="2400" dirty="0">
@@ -5683,6 +5683,22 @@
                   <a:schemeClr val="tx1"/>
                 </a:solidFill>
               </a:rPr>
+              <a:t>relationship between the input and output spectra of the </a:t>
+            </a:r>
+            <a:r>
+              <a:rPr lang="en-US" sz="2400" b="1" dirty="0">
+                <a:solidFill>
+                  <a:schemeClr val="tx1"/>
+                </a:solidFill>
+              </a:rPr>
+              <a:t>AOM,</a:t>
+            </a:r>
+            <a:r>
+              <a:rPr lang="en-US" sz="2400" dirty="0">
+                <a:solidFill>
+                  <a:schemeClr val="tx1"/>
+                </a:solidFill>
+              </a:rPr>
               <a:t> the required AWG configurations </a:t>
             </a:r>
             <a:r>
@@ -5699,7 +5715,22 @@
                   <a:schemeClr val="tx1"/>
                 </a:solidFill>
               </a:rPr>
-              <a:t>easily but by applying </a:t>
+              <a:t>easily. </a:t>
+            </a:r>
+          </a:p>
+          <a:p>
+            <a:pPr algn="just">
+              <a:lnSpc>
+                <a:spcPct val="150000"/>
+              </a:lnSpc>
+            </a:pPr>
+            <a:r>
+              <a:rPr lang="en-US" sz="2400" dirty="0">
+                <a:solidFill>
+                  <a:schemeClr val="tx1"/>
+                </a:solidFill>
+              </a:rPr>
+              <a:t>But by applying </a:t>
             </a:r>
             <a:r>
               <a:rPr lang="en-US" sz="2400" b="1" dirty="0">
@@ -6434,7 +6465,7 @@
         </p:nvSpPr>
         <p:spPr>
           <a:xfrm>
-            <a:off x="1648844" y="21544698"/>
+            <a:off x="1641066" y="22233960"/>
             <a:ext cx="6624017" cy="584775"/>
           </a:xfrm>
           <a:prstGeom prst="rect">
@@ -6658,8 +6689,8 @@
         </p:nvSpPr>
         <p:spPr>
           <a:xfrm>
-            <a:off x="1693365" y="27121945"/>
-            <a:ext cx="4166686" cy="861774"/>
+            <a:off x="1714722" y="28473369"/>
+            <a:ext cx="4166686" cy="584775"/>
           </a:xfrm>
           <a:prstGeom prst="rect">
             <a:avLst/>
@@ -6682,9 +6713,6 @@
               </a:rPr>
               <a:t>Model Architecture</a:t>
             </a:r>
-          </a:p>
-          <a:p>
-            <a:endParaRPr lang="de-DE" dirty="0"/>
           </a:p>
         </p:txBody>
       </p:sp>
@@ -6702,7 +6730,7 @@
         </p:nvSpPr>
         <p:spPr>
           <a:xfrm>
-            <a:off x="6489591" y="28475201"/>
+            <a:off x="7091781" y="28475201"/>
             <a:ext cx="3240360" cy="584775"/>
           </a:xfrm>
           <a:prstGeom prst="rect">
@@ -7020,7 +7048,7 @@
         </p:nvSpPr>
         <p:spPr>
           <a:xfrm>
-            <a:off x="1787633" y="26335215"/>
+            <a:off x="1779855" y="27024477"/>
             <a:ext cx="2141532" cy="276999"/>
           </a:xfrm>
           <a:prstGeom prst="rect">
@@ -7262,7 +7290,7 @@
         </p:blipFill>
         <p:spPr>
           <a:xfrm>
-            <a:off x="1693365" y="22412207"/>
+            <a:off x="1685587" y="23101469"/>
             <a:ext cx="12856596" cy="3923008"/>
           </a:xfrm>
           <a:prstGeom prst="rect">
@@ -7298,8 +7326,8 @@
         </p:blipFill>
         <p:spPr>
           <a:xfrm>
-            <a:off x="2020647" y="27714499"/>
-            <a:ext cx="3100557" cy="12812219"/>
+            <a:off x="2168413" y="29176603"/>
+            <a:ext cx="2714517" cy="11217012"/>
           </a:xfrm>
           <a:prstGeom prst="rect">
             <a:avLst/>
@@ -8246,24 +8274,6 @@
 </file>
 
 <file path=customXml/item1.xml><?xml version="1.0" encoding="utf-8"?>
-<p:properties xmlns:p="http://schemas.microsoft.com/office/2006/metadata/properties" xmlns:xsi="http://www.w3.org/2001/XMLSchema-instance" xmlns:pc="http://schemas.microsoft.com/office/infopath/2007/PartnerControls">
-  <documentManagement>
-    <Datei_x002d_Typ xmlns="0d8a9e77-e5df-4dea-a25d-6fd5fe8176f9">pptx</Datei_x002d_Typ>
-    <Vorlagen_x002d_Typ xmlns="0d8a9e77-e5df-4dea-a25d-6fd5fe8176f9">Poster wissenschaftlich</Vorlagen_x002d_Typ>
-  </documentManagement>
-</p:properties>
-</file>
-
-<file path=customXml/item2.xml><?xml version="1.0" encoding="utf-8"?>
-<?mso-contentType ?>
-<FormTemplates xmlns="http://schemas.microsoft.com/sharepoint/v3/contenttype/forms">
-  <Display>DocumentLibraryForm</Display>
-  <Edit>DocumentLibraryForm</Edit>
-  <New>DocumentLibraryForm</New>
-</FormTemplates>
-</file>
-
-<file path=customXml/item3.xml><?xml version="1.0" encoding="utf-8"?>
 <ct:contentTypeSchema xmlns:ct="http://schemas.microsoft.com/office/2006/metadata/contentType" xmlns:ma="http://schemas.microsoft.com/office/2006/metadata/properties/metaAttributes" ct:_="" ma:_="" ma:contentTypeName="Dokument" ma:contentTypeID="0x010100BF561F2B26307F469647E24EC60BB400" ma:contentTypeVersion="6" ma:contentTypeDescription="Ein neues Dokument erstellen." ma:contentTypeScope="" ma:versionID="4f979b4d35c23bcdf0530eadb6f3b4ca">
   <xsd:schema xmlns:xsd="http://www.w3.org/2001/XMLSchema" xmlns:xs="http://www.w3.org/2001/XMLSchema" xmlns:p="http://schemas.microsoft.com/office/2006/metadata/properties" xmlns:ns2="0d8a9e77-e5df-4dea-a25d-6fd5fe8176f9" targetNamespace="http://schemas.microsoft.com/office/2006/metadata/properties" ma:root="true" ma:fieldsID="839fb1b8b8081b8bc7e16d8b7b076f17" ns2:_="">
     <xsd:import namespace="0d8a9e77-e5df-4dea-a25d-6fd5fe8176f9"/>
@@ -8441,25 +8451,25 @@
 </ct:contentTypeSchema>
 </file>
 
-<file path=customXml/itemProps1.xml><?xml version="1.0" encoding="utf-8"?>
-<ds:datastoreItem xmlns:ds="http://schemas.openxmlformats.org/officeDocument/2006/customXml" ds:itemID="{93A96314-6CE3-4747-8FFF-5DB3352FDD8D}">
-  <ds:schemaRefs>
-    <ds:schemaRef ds:uri="http://schemas.microsoft.com/office/2006/metadata/properties"/>
-    <ds:schemaRef ds:uri="http://schemas.microsoft.com/office/infopath/2007/PartnerControls"/>
-    <ds:schemaRef ds:uri="0d8a9e77-e5df-4dea-a25d-6fd5fe8176f9"/>
-  </ds:schemaRefs>
-</ds:datastoreItem>
+<file path=customXml/item2.xml><?xml version="1.0" encoding="utf-8"?>
+<?mso-contentType ?>
+<FormTemplates xmlns="http://schemas.microsoft.com/sharepoint/v3/contenttype/forms">
+  <Display>DocumentLibraryForm</Display>
+  <Edit>DocumentLibraryForm</Edit>
+  <New>DocumentLibraryForm</New>
+</FormTemplates>
 </file>
 
-<file path=customXml/itemProps2.xml><?xml version="1.0" encoding="utf-8"?>
-<ds:datastoreItem xmlns:ds="http://schemas.openxmlformats.org/officeDocument/2006/customXml" ds:itemID="{5DC7943D-E0B0-4C98-87CE-5E1D610D3EF0}">
-  <ds:schemaRefs>
-    <ds:schemaRef ds:uri="http://schemas.microsoft.com/sharepoint/v3/contenttype/forms"/>
-  </ds:schemaRefs>
-</ds:datastoreItem>
+<file path=customXml/item3.xml><?xml version="1.0" encoding="utf-8"?>
+<p:properties xmlns:p="http://schemas.microsoft.com/office/2006/metadata/properties" xmlns:xsi="http://www.w3.org/2001/XMLSchema-instance" xmlns:pc="http://schemas.microsoft.com/office/infopath/2007/PartnerControls">
+  <documentManagement>
+    <Datei_x002d_Typ xmlns="0d8a9e77-e5df-4dea-a25d-6fd5fe8176f9">pptx</Datei_x002d_Typ>
+    <Vorlagen_x002d_Typ xmlns="0d8a9e77-e5df-4dea-a25d-6fd5fe8176f9">Poster wissenschaftlich</Vorlagen_x002d_Typ>
+  </documentManagement>
+</p:properties>
 </file>
 
-<file path=customXml/itemProps3.xml><?xml version="1.0" encoding="utf-8"?>
+<file path=customXml/itemProps1.xml><?xml version="1.0" encoding="utf-8"?>
 <ds:datastoreItem xmlns:ds="http://schemas.openxmlformats.org/officeDocument/2006/customXml" ds:itemID="{61CF5FA1-F6B2-4E1C-B324-AB3FEA1CBC13}">
   <ds:schemaRefs>
     <ds:schemaRef ds:uri="http://schemas.microsoft.com/office/2006/metadata/contentType"/>
@@ -8475,4 +8485,22 @@
     <ds:schemaRef ds:uri="http://schemas.microsoft.com/internal/obd"/>
   </ds:schemaRefs>
 </ds:datastoreItem>
+</file>
+
+<file path=customXml/itemProps2.xml><?xml version="1.0" encoding="utf-8"?>
+<ds:datastoreItem xmlns:ds="http://schemas.openxmlformats.org/officeDocument/2006/customXml" ds:itemID="{5DC7943D-E0B0-4C98-87CE-5E1D610D3EF0}">
+  <ds:schemaRefs>
+    <ds:schemaRef ds:uri="http://schemas.microsoft.com/sharepoint/v3/contenttype/forms"/>
+  </ds:schemaRefs>
+</ds:datastoreItem>
+</file>
+
+<file path=customXml/itemProps3.xml><?xml version="1.0" encoding="utf-8"?>
+<ds:datastoreItem xmlns:ds="http://schemas.openxmlformats.org/officeDocument/2006/customXml" ds:itemID="{93A96314-6CE3-4747-8FFF-5DB3352FDD8D}">
+  <ds:schemaRefs>
+    <ds:schemaRef ds:uri="http://schemas.microsoft.com/office/2006/metadata/properties"/>
+    <ds:schemaRef ds:uri="http://schemas.microsoft.com/office/infopath/2007/PartnerControls"/>
+    <ds:schemaRef ds:uri="0d8a9e77-e5df-4dea-a25d-6fd5fe8176f9"/>
+  </ds:schemaRefs>
+</ds:datastoreItem>
 </file>
--- a/Poster/Project Seminar Poster 25 v4.pptx
+++ b/Poster/Project Seminar Poster 25 v4.pptx
@@ -2387,7 +2387,7 @@
               <a:pPr>
                 <a:defRPr/>
               </a:pPr>
-              <a:t>24.06.2025</a:t>
+              <a:t>26.06.2025</a:t>
             </a:fld>
             <a:endParaRPr lang="de-DE" dirty="0"/>
           </a:p>
@@ -3005,7 +3005,7 @@
               <a:pPr>
                 <a:defRPr/>
               </a:pPr>
-              <a:t>24.06.2025</a:t>
+              <a:t>26.06.2025</a:t>
             </a:fld>
             <a:endParaRPr lang="de-DE" dirty="0"/>
           </a:p>
@@ -3623,7 +3623,7 @@
               <a:pPr>
                 <a:defRPr/>
               </a:pPr>
-              <a:t>24.06.2025</a:t>
+              <a:t>26.06.2025</a:t>
             </a:fld>
             <a:endParaRPr lang="de-DE" dirty="0"/>
           </a:p>
@@ -5651,7 +5651,7 @@
                   <a:schemeClr val="tx1"/>
                 </a:solidFill>
               </a:rPr>
-              <a:t>are often needed. Due to the highly </a:t>
+              <a:t>are often needed. Due to the </a:t>
             </a:r>
             <a:r>
               <a:rPr lang="en-US" sz="2400" b="1" dirty="0">
@@ -6779,7 +6779,7 @@
         </p:blipFill>
         <p:spPr>
           <a:xfrm>
-            <a:off x="6712607" y="29526193"/>
+            <a:off x="6712606" y="29161809"/>
             <a:ext cx="8657296" cy="5812756"/>
           </a:xfrm>
           <a:prstGeom prst="rect">
@@ -7364,6 +7364,342 @@
           </a:prstGeom>
         </p:spPr>
       </p:pic>
+      <p:sp>
+        <p:nvSpPr>
+          <p:cNvPr id="4" name="TextBox 41">
+            <a:extLst>
+              <a:ext uri="{FF2B5EF4-FFF2-40B4-BE49-F238E27FC236}">
+                <a16:creationId xmlns:a16="http://schemas.microsoft.com/office/drawing/2014/main" id="{E16E7CC9-1757-A1F6-C603-6C47C3D5CF19}"/>
+              </a:ext>
+            </a:extLst>
+          </p:cNvPr>
+          <p:cNvSpPr txBox="1"/>
+          <p:nvPr/>
+        </p:nvSpPr>
+        <p:spPr>
+          <a:xfrm>
+            <a:off x="17388943" y="40747679"/>
+            <a:ext cx="4330405" cy="276999"/>
+          </a:xfrm>
+          <a:prstGeom prst="rect">
+            <a:avLst/>
+          </a:prstGeom>
+          <a:noFill/>
+        </p:spPr>
+        <p:txBody>
+          <a:bodyPr wrap="square" rtlCol="0">
+            <a:spAutoFit/>
+          </a:bodyPr>
+          <a:lstStyle/>
+          <a:p>
+            <a:r>
+              <a:rPr lang="de-DE" sz="1200" dirty="0" err="1">
+                <a:latin typeface="Segoe UI" panose="020B0502040204020203" pitchFamily="34" charset="0"/>
+                <a:cs typeface="Segoe UI" panose="020B0502040204020203" pitchFamily="34" charset="0"/>
+              </a:rPr>
+              <a:t>Successful</a:t>
+            </a:r>
+            <a:r>
+              <a:rPr lang="de-DE" sz="1200" dirty="0">
+                <a:latin typeface="Segoe UI" panose="020B0502040204020203" pitchFamily="34" charset="0"/>
+                <a:cs typeface="Segoe UI" panose="020B0502040204020203" pitchFamily="34" charset="0"/>
+              </a:rPr>
+              <a:t> </a:t>
+            </a:r>
+            <a:r>
+              <a:rPr lang="de-DE" sz="1200" dirty="0" err="1">
+                <a:latin typeface="Segoe UI" panose="020B0502040204020203" pitchFamily="34" charset="0"/>
+                <a:cs typeface="Segoe UI" panose="020B0502040204020203" pitchFamily="34" charset="0"/>
+              </a:rPr>
+              <a:t>prediction</a:t>
+            </a:r>
+            <a:r>
+              <a:rPr lang="de-DE" sz="1200" dirty="0">
+                <a:latin typeface="Segoe UI" panose="020B0502040204020203" pitchFamily="34" charset="0"/>
+                <a:cs typeface="Segoe UI" panose="020B0502040204020203" pitchFamily="34" charset="0"/>
+              </a:rPr>
+              <a:t> </a:t>
+            </a:r>
+            <a:r>
+              <a:rPr lang="de-DE" sz="1200" dirty="0" err="1">
+                <a:latin typeface="Segoe UI" panose="020B0502040204020203" pitchFamily="34" charset="0"/>
+                <a:cs typeface="Segoe UI" panose="020B0502040204020203" pitchFamily="34" charset="0"/>
+              </a:rPr>
+              <a:t>of</a:t>
+            </a:r>
+            <a:r>
+              <a:rPr lang="de-DE" sz="1200" dirty="0">
+                <a:latin typeface="Segoe UI" panose="020B0502040204020203" pitchFamily="34" charset="0"/>
+                <a:cs typeface="Segoe UI" panose="020B0502040204020203" pitchFamily="34" charset="0"/>
+              </a:rPr>
+              <a:t> </a:t>
+            </a:r>
+            <a:r>
+              <a:rPr lang="de-DE" sz="1200" dirty="0" err="1">
+                <a:latin typeface="Segoe UI" panose="020B0502040204020203" pitchFamily="34" charset="0"/>
+                <a:cs typeface="Segoe UI" panose="020B0502040204020203" pitchFamily="34" charset="0"/>
+              </a:rPr>
+              <a:t>the</a:t>
+            </a:r>
+            <a:r>
+              <a:rPr lang="de-DE" sz="1200" dirty="0">
+                <a:latin typeface="Segoe UI" panose="020B0502040204020203" pitchFamily="34" charset="0"/>
+                <a:cs typeface="Segoe UI" panose="020B0502040204020203" pitchFamily="34" charset="0"/>
+              </a:rPr>
+              <a:t> </a:t>
+            </a:r>
+            <a:r>
+              <a:rPr lang="de-DE" sz="1200" dirty="0" err="1">
+                <a:latin typeface="Segoe UI" panose="020B0502040204020203" pitchFamily="34" charset="0"/>
+                <a:cs typeface="Segoe UI" panose="020B0502040204020203" pitchFamily="34" charset="0"/>
+              </a:rPr>
+              <a:t>model</a:t>
+            </a:r>
+            <a:endParaRPr lang="de-DE" sz="1200" dirty="0">
+              <a:latin typeface="Segoe UI" panose="020B0502040204020203" pitchFamily="34" charset="0"/>
+              <a:cs typeface="Segoe UI" panose="020B0502040204020203" pitchFamily="34" charset="0"/>
+            </a:endParaRPr>
+          </a:p>
+        </p:txBody>
+      </p:sp>
+      <p:sp>
+        <p:nvSpPr>
+          <p:cNvPr id="9" name="TextBox 41">
+            <a:extLst>
+              <a:ext uri="{FF2B5EF4-FFF2-40B4-BE49-F238E27FC236}">
+                <a16:creationId xmlns:a16="http://schemas.microsoft.com/office/drawing/2014/main" id="{F99F4CCE-EF8C-E265-5CBB-436A65E12F1F}"/>
+              </a:ext>
+            </a:extLst>
+          </p:cNvPr>
+          <p:cNvSpPr txBox="1"/>
+          <p:nvPr/>
+        </p:nvSpPr>
+        <p:spPr>
+          <a:xfrm>
+            <a:off x="6712606" y="40769996"/>
+            <a:ext cx="4248535" cy="276999"/>
+          </a:xfrm>
+          <a:prstGeom prst="rect">
+            <a:avLst/>
+          </a:prstGeom>
+          <a:noFill/>
+        </p:spPr>
+        <p:txBody>
+          <a:bodyPr wrap="square" rtlCol="0">
+            <a:spAutoFit/>
+          </a:bodyPr>
+          <a:lstStyle/>
+          <a:p>
+            <a:r>
+              <a:rPr lang="de-DE" sz="1200" dirty="0">
+                <a:latin typeface="Segoe UI" panose="020B0502040204020203" pitchFamily="34" charset="0"/>
+                <a:cs typeface="Segoe UI" panose="020B0502040204020203" pitchFamily="34" charset="0"/>
+              </a:rPr>
+              <a:t>Impact </a:t>
+            </a:r>
+            <a:r>
+              <a:rPr lang="de-DE" sz="1200" dirty="0" err="1">
+                <a:latin typeface="Segoe UI" panose="020B0502040204020203" pitchFamily="34" charset="0"/>
+                <a:cs typeface="Segoe UI" panose="020B0502040204020203" pitchFamily="34" charset="0"/>
+              </a:rPr>
+              <a:t>of</a:t>
+            </a:r>
+            <a:r>
+              <a:rPr lang="de-DE" sz="1200" dirty="0">
+                <a:latin typeface="Segoe UI" panose="020B0502040204020203" pitchFamily="34" charset="0"/>
+                <a:cs typeface="Segoe UI" panose="020B0502040204020203" pitchFamily="34" charset="0"/>
+              </a:rPr>
+              <a:t> </a:t>
+            </a:r>
+            <a:r>
+              <a:rPr lang="de-DE" sz="1200" dirty="0" err="1">
+                <a:latin typeface="Segoe UI" panose="020B0502040204020203" pitchFamily="34" charset="0"/>
+                <a:cs typeface="Segoe UI" panose="020B0502040204020203" pitchFamily="34" charset="0"/>
+              </a:rPr>
+              <a:t>the</a:t>
+            </a:r>
+            <a:r>
+              <a:rPr lang="de-DE" sz="1200" dirty="0">
+                <a:latin typeface="Segoe UI" panose="020B0502040204020203" pitchFamily="34" charset="0"/>
+                <a:cs typeface="Segoe UI" panose="020B0502040204020203" pitchFamily="34" charset="0"/>
+              </a:rPr>
+              <a:t> </a:t>
+            </a:r>
+            <a:r>
+              <a:rPr lang="de-DE" sz="1200" dirty="0" err="1">
+                <a:latin typeface="Segoe UI" panose="020B0502040204020203" pitchFamily="34" charset="0"/>
+                <a:cs typeface="Segoe UI" panose="020B0502040204020203" pitchFamily="34" charset="0"/>
+              </a:rPr>
+              <a:t>layer</a:t>
+            </a:r>
+            <a:r>
+              <a:rPr lang="de-DE" sz="1200" dirty="0">
+                <a:latin typeface="Segoe UI" panose="020B0502040204020203" pitchFamily="34" charset="0"/>
+                <a:cs typeface="Segoe UI" panose="020B0502040204020203" pitchFamily="34" charset="0"/>
+              </a:rPr>
+              <a:t> </a:t>
+            </a:r>
+            <a:r>
+              <a:rPr lang="de-DE" sz="1200" dirty="0" err="1">
+                <a:latin typeface="Segoe UI" panose="020B0502040204020203" pitchFamily="34" charset="0"/>
+                <a:cs typeface="Segoe UI" panose="020B0502040204020203" pitchFamily="34" charset="0"/>
+              </a:rPr>
+              <a:t>size</a:t>
+            </a:r>
+            <a:r>
+              <a:rPr lang="de-DE" sz="1200" dirty="0">
+                <a:latin typeface="Segoe UI" panose="020B0502040204020203" pitchFamily="34" charset="0"/>
+                <a:cs typeface="Segoe UI" panose="020B0502040204020203" pitchFamily="34" charset="0"/>
+              </a:rPr>
+              <a:t> on </a:t>
+            </a:r>
+            <a:r>
+              <a:rPr lang="de-DE" sz="1200" dirty="0" err="1">
+                <a:latin typeface="Segoe UI" panose="020B0502040204020203" pitchFamily="34" charset="0"/>
+                <a:cs typeface="Segoe UI" panose="020B0502040204020203" pitchFamily="34" charset="0"/>
+              </a:rPr>
+              <a:t>the</a:t>
+            </a:r>
+            <a:r>
+              <a:rPr lang="de-DE" sz="1200" dirty="0">
+                <a:latin typeface="Segoe UI" panose="020B0502040204020203" pitchFamily="34" charset="0"/>
+                <a:cs typeface="Segoe UI" panose="020B0502040204020203" pitchFamily="34" charset="0"/>
+              </a:rPr>
+              <a:t> </a:t>
+            </a:r>
+            <a:r>
+              <a:rPr lang="de-DE" sz="1200" dirty="0" err="1">
+                <a:latin typeface="Segoe UI" panose="020B0502040204020203" pitchFamily="34" charset="0"/>
+                <a:cs typeface="Segoe UI" panose="020B0502040204020203" pitchFamily="34" charset="0"/>
+              </a:rPr>
+              <a:t>model</a:t>
+            </a:r>
+            <a:r>
+              <a:rPr lang="de-DE" sz="1200" dirty="0">
+                <a:latin typeface="Segoe UI" panose="020B0502040204020203" pitchFamily="34" charset="0"/>
+                <a:cs typeface="Segoe UI" panose="020B0502040204020203" pitchFamily="34" charset="0"/>
+              </a:rPr>
+              <a:t> </a:t>
+            </a:r>
+            <a:r>
+              <a:rPr lang="de-DE" sz="1200" dirty="0" err="1">
+                <a:latin typeface="Segoe UI" panose="020B0502040204020203" pitchFamily="34" charset="0"/>
+                <a:cs typeface="Segoe UI" panose="020B0502040204020203" pitchFamily="34" charset="0"/>
+              </a:rPr>
+              <a:t>performance</a:t>
+            </a:r>
+            <a:endParaRPr lang="de-DE" sz="1200" dirty="0">
+              <a:latin typeface="Segoe UI" panose="020B0502040204020203" pitchFamily="34" charset="0"/>
+              <a:cs typeface="Segoe UI" panose="020B0502040204020203" pitchFamily="34" charset="0"/>
+            </a:endParaRPr>
+          </a:p>
+        </p:txBody>
+      </p:sp>
+      <p:sp>
+        <p:nvSpPr>
+          <p:cNvPr id="12" name="TextBox 41">
+            <a:extLst>
+              <a:ext uri="{FF2B5EF4-FFF2-40B4-BE49-F238E27FC236}">
+                <a16:creationId xmlns:a16="http://schemas.microsoft.com/office/drawing/2014/main" id="{2974CAF3-B456-3FBC-8CB0-B4A4F92F8AB0}"/>
+              </a:ext>
+            </a:extLst>
+          </p:cNvPr>
+          <p:cNvSpPr txBox="1"/>
+          <p:nvPr/>
+        </p:nvSpPr>
+        <p:spPr>
+          <a:xfrm>
+            <a:off x="6712605" y="34999332"/>
+            <a:ext cx="4248535" cy="276999"/>
+          </a:xfrm>
+          <a:prstGeom prst="rect">
+            <a:avLst/>
+          </a:prstGeom>
+          <a:noFill/>
+        </p:spPr>
+        <p:txBody>
+          <a:bodyPr wrap="square" rtlCol="0">
+            <a:spAutoFit/>
+          </a:bodyPr>
+          <a:lstStyle/>
+          <a:p>
+            <a:r>
+              <a:rPr lang="de-DE" sz="1200" dirty="0">
+                <a:latin typeface="Segoe UI" panose="020B0502040204020203" pitchFamily="34" charset="0"/>
+                <a:cs typeface="Segoe UI" panose="020B0502040204020203" pitchFamily="34" charset="0"/>
+              </a:rPr>
+              <a:t>Learning </a:t>
+            </a:r>
+            <a:r>
+              <a:rPr lang="de-DE" sz="1200" dirty="0" err="1">
+                <a:latin typeface="Segoe UI" panose="020B0502040204020203" pitchFamily="34" charset="0"/>
+                <a:cs typeface="Segoe UI" panose="020B0502040204020203" pitchFamily="34" charset="0"/>
+              </a:rPr>
+              <a:t>curve</a:t>
+            </a:r>
+            <a:r>
+              <a:rPr lang="de-DE" sz="1200" dirty="0">
+                <a:latin typeface="Segoe UI" panose="020B0502040204020203" pitchFamily="34" charset="0"/>
+                <a:cs typeface="Segoe UI" panose="020B0502040204020203" pitchFamily="34" charset="0"/>
+              </a:rPr>
+              <a:t> </a:t>
+            </a:r>
+            <a:r>
+              <a:rPr lang="de-DE" sz="1200" dirty="0" err="1">
+                <a:latin typeface="Segoe UI" panose="020B0502040204020203" pitchFamily="34" charset="0"/>
+                <a:cs typeface="Segoe UI" panose="020B0502040204020203" pitchFamily="34" charset="0"/>
+              </a:rPr>
+              <a:t>of</a:t>
+            </a:r>
+            <a:r>
+              <a:rPr lang="de-DE" sz="1200" dirty="0">
+                <a:latin typeface="Segoe UI" panose="020B0502040204020203" pitchFamily="34" charset="0"/>
+                <a:cs typeface="Segoe UI" panose="020B0502040204020203" pitchFamily="34" charset="0"/>
+              </a:rPr>
+              <a:t> a </a:t>
+            </a:r>
+            <a:r>
+              <a:rPr lang="de-DE" sz="1200" dirty="0" err="1">
+                <a:latin typeface="Segoe UI" panose="020B0502040204020203" pitchFamily="34" charset="0"/>
+                <a:cs typeface="Segoe UI" panose="020B0502040204020203" pitchFamily="34" charset="0"/>
+              </a:rPr>
+              <a:t>successful</a:t>
+            </a:r>
+            <a:r>
+              <a:rPr lang="de-DE" sz="1200" dirty="0">
+                <a:latin typeface="Segoe UI" panose="020B0502040204020203" pitchFamily="34" charset="0"/>
+                <a:cs typeface="Segoe UI" panose="020B0502040204020203" pitchFamily="34" charset="0"/>
+              </a:rPr>
+              <a:t> </a:t>
+            </a:r>
+            <a:r>
+              <a:rPr lang="de-DE" sz="1200" dirty="0" err="1">
+                <a:latin typeface="Segoe UI" panose="020B0502040204020203" pitchFamily="34" charset="0"/>
+                <a:cs typeface="Segoe UI" panose="020B0502040204020203" pitchFamily="34" charset="0"/>
+              </a:rPr>
+              <a:t>training</a:t>
+            </a:r>
+            <a:r>
+              <a:rPr lang="de-DE" sz="1200" dirty="0">
+                <a:latin typeface="Segoe UI" panose="020B0502040204020203" pitchFamily="34" charset="0"/>
+                <a:cs typeface="Segoe UI" panose="020B0502040204020203" pitchFamily="34" charset="0"/>
+              </a:rPr>
+              <a:t> </a:t>
+            </a:r>
+            <a:r>
+              <a:rPr lang="de-DE" sz="1200" dirty="0" err="1">
+                <a:latin typeface="Segoe UI" panose="020B0502040204020203" pitchFamily="34" charset="0"/>
+                <a:cs typeface="Segoe UI" panose="020B0502040204020203" pitchFamily="34" charset="0"/>
+              </a:rPr>
+              <a:t>run</a:t>
+            </a:r>
+            <a:endParaRPr lang="de-DE" sz="1200" dirty="0">
+              <a:latin typeface="Segoe UI" panose="020B0502040204020203" pitchFamily="34" charset="0"/>
+              <a:cs typeface="Segoe UI" panose="020B0502040204020203" pitchFamily="34" charset="0"/>
+            </a:endParaRPr>
+          </a:p>
+        </p:txBody>
+      </p:sp>
     </p:spTree>
     <p:extLst>
       <p:ext uri="{BB962C8B-B14F-4D97-AF65-F5344CB8AC3E}">
@@ -8274,6 +8610,24 @@
 </file>
 
 <file path=customXml/item1.xml><?xml version="1.0" encoding="utf-8"?>
+<p:properties xmlns:p="http://schemas.microsoft.com/office/2006/metadata/properties" xmlns:xsi="http://www.w3.org/2001/XMLSchema-instance" xmlns:pc="http://schemas.microsoft.com/office/infopath/2007/PartnerControls">
+  <documentManagement>
+    <Datei_x002d_Typ xmlns="0d8a9e77-e5df-4dea-a25d-6fd5fe8176f9">pptx</Datei_x002d_Typ>
+    <Vorlagen_x002d_Typ xmlns="0d8a9e77-e5df-4dea-a25d-6fd5fe8176f9">Poster wissenschaftlich</Vorlagen_x002d_Typ>
+  </documentManagement>
+</p:properties>
+</file>
+
+<file path=customXml/item2.xml><?xml version="1.0" encoding="utf-8"?>
+<?mso-contentType ?>
+<FormTemplates xmlns="http://schemas.microsoft.com/sharepoint/v3/contenttype/forms">
+  <Display>DocumentLibraryForm</Display>
+  <Edit>DocumentLibraryForm</Edit>
+  <New>DocumentLibraryForm</New>
+</FormTemplates>
+</file>
+
+<file path=customXml/item3.xml><?xml version="1.0" encoding="utf-8"?>
 <ct:contentTypeSchema xmlns:ct="http://schemas.microsoft.com/office/2006/metadata/contentType" xmlns:ma="http://schemas.microsoft.com/office/2006/metadata/properties/metaAttributes" ct:_="" ma:_="" ma:contentTypeName="Dokument" ma:contentTypeID="0x010100BF561F2B26307F469647E24EC60BB400" ma:contentTypeVersion="6" ma:contentTypeDescription="Ein neues Dokument erstellen." ma:contentTypeScope="" ma:versionID="4f979b4d35c23bcdf0530eadb6f3b4ca">
   <xsd:schema xmlns:xsd="http://www.w3.org/2001/XMLSchema" xmlns:xs="http://www.w3.org/2001/XMLSchema" xmlns:p="http://schemas.microsoft.com/office/2006/metadata/properties" xmlns:ns2="0d8a9e77-e5df-4dea-a25d-6fd5fe8176f9" targetNamespace="http://schemas.microsoft.com/office/2006/metadata/properties" ma:root="true" ma:fieldsID="839fb1b8b8081b8bc7e16d8b7b076f17" ns2:_="">
     <xsd:import namespace="0d8a9e77-e5df-4dea-a25d-6fd5fe8176f9"/>
@@ -8451,25 +8805,25 @@
 </ct:contentTypeSchema>
 </file>
 
-<file path=customXml/item2.xml><?xml version="1.0" encoding="utf-8"?>
-<?mso-contentType ?>
-<FormTemplates xmlns="http://schemas.microsoft.com/sharepoint/v3/contenttype/forms">
-  <Display>DocumentLibraryForm</Display>
-  <Edit>DocumentLibraryForm</Edit>
-  <New>DocumentLibraryForm</New>
-</FormTemplates>
+<file path=customXml/itemProps1.xml><?xml version="1.0" encoding="utf-8"?>
+<ds:datastoreItem xmlns:ds="http://schemas.openxmlformats.org/officeDocument/2006/customXml" ds:itemID="{93A96314-6CE3-4747-8FFF-5DB3352FDD8D}">
+  <ds:schemaRefs>
+    <ds:schemaRef ds:uri="http://schemas.microsoft.com/office/2006/metadata/properties"/>
+    <ds:schemaRef ds:uri="http://schemas.microsoft.com/office/infopath/2007/PartnerControls"/>
+    <ds:schemaRef ds:uri="0d8a9e77-e5df-4dea-a25d-6fd5fe8176f9"/>
+  </ds:schemaRefs>
+</ds:datastoreItem>
 </file>
 
-<file path=customXml/item3.xml><?xml version="1.0" encoding="utf-8"?>
-<p:properties xmlns:p="http://schemas.microsoft.com/office/2006/metadata/properties" xmlns:xsi="http://www.w3.org/2001/XMLSchema-instance" xmlns:pc="http://schemas.microsoft.com/office/infopath/2007/PartnerControls">
-  <documentManagement>
-    <Datei_x002d_Typ xmlns="0d8a9e77-e5df-4dea-a25d-6fd5fe8176f9">pptx</Datei_x002d_Typ>
-    <Vorlagen_x002d_Typ xmlns="0d8a9e77-e5df-4dea-a25d-6fd5fe8176f9">Poster wissenschaftlich</Vorlagen_x002d_Typ>
-  </documentManagement>
-</p:properties>
+<file path=customXml/itemProps2.xml><?xml version="1.0" encoding="utf-8"?>
+<ds:datastoreItem xmlns:ds="http://schemas.openxmlformats.org/officeDocument/2006/customXml" ds:itemID="{5DC7943D-E0B0-4C98-87CE-5E1D610D3EF0}">
+  <ds:schemaRefs>
+    <ds:schemaRef ds:uri="http://schemas.microsoft.com/sharepoint/v3/contenttype/forms"/>
+  </ds:schemaRefs>
+</ds:datastoreItem>
 </file>
 
-<file path=customXml/itemProps1.xml><?xml version="1.0" encoding="utf-8"?>
+<file path=customXml/itemProps3.xml><?xml version="1.0" encoding="utf-8"?>
 <ds:datastoreItem xmlns:ds="http://schemas.openxmlformats.org/officeDocument/2006/customXml" ds:itemID="{61CF5FA1-F6B2-4E1C-B324-AB3FEA1CBC13}">
   <ds:schemaRefs>
     <ds:schemaRef ds:uri="http://schemas.microsoft.com/office/2006/metadata/contentType"/>
@@ -8485,22 +8839,4 @@
     <ds:schemaRef ds:uri="http://schemas.microsoft.com/internal/obd"/>
   </ds:schemaRefs>
 </ds:datastoreItem>
-</file>
-
-<file path=customXml/itemProps2.xml><?xml version="1.0" encoding="utf-8"?>
-<ds:datastoreItem xmlns:ds="http://schemas.openxmlformats.org/officeDocument/2006/customXml" ds:itemID="{5DC7943D-E0B0-4C98-87CE-5E1D610D3EF0}">
-  <ds:schemaRefs>
-    <ds:schemaRef ds:uri="http://schemas.microsoft.com/sharepoint/v3/contenttype/forms"/>
-  </ds:schemaRefs>
-</ds:datastoreItem>
-</file>
-
-<file path=customXml/itemProps3.xml><?xml version="1.0" encoding="utf-8"?>
-<ds:datastoreItem xmlns:ds="http://schemas.openxmlformats.org/officeDocument/2006/customXml" ds:itemID="{93A96314-6CE3-4747-8FFF-5DB3352FDD8D}">
-  <ds:schemaRefs>
-    <ds:schemaRef ds:uri="http://schemas.microsoft.com/office/2006/metadata/properties"/>
-    <ds:schemaRef ds:uri="http://schemas.microsoft.com/office/infopath/2007/PartnerControls"/>
-    <ds:schemaRef ds:uri="0d8a9e77-e5df-4dea-a25d-6fd5fe8176f9"/>
-  </ds:schemaRefs>
-</ds:datastoreItem>
 </file>
--- a/Poster/Project Seminar Poster 25 v4.pptx
+++ b/Poster/Project Seminar Poster 25 v4.pptx
@@ -2387,7 +2387,7 @@
               <a:pPr>
                 <a:defRPr/>
               </a:pPr>
-              <a:t>26.06.2025</a:t>
+              <a:t>27.06.2025</a:t>
             </a:fld>
             <a:endParaRPr lang="de-DE" dirty="0"/>
           </a:p>
@@ -3005,7 +3005,7 @@
               <a:pPr>
                 <a:defRPr/>
               </a:pPr>
-              <a:t>26.06.2025</a:t>
+              <a:t>27.06.2025</a:t>
             </a:fld>
             <a:endParaRPr lang="de-DE" dirty="0"/>
           </a:p>
@@ -3623,7 +3623,7 @@
               <a:pPr>
                 <a:defRPr/>
               </a:pPr>
-              <a:t>26.06.2025</a:t>
+              <a:t>27.06.2025</a:t>
             </a:fld>
             <a:endParaRPr lang="de-DE" dirty="0"/>
           </a:p>
@@ -6833,14 +6833,13 @@
         </p:nvPicPr>
         <p:blipFill>
           <a:blip r:embed="rId5"/>
-          <a:stretch>
-            <a:fillRect/>
-          </a:stretch>
+          <a:srcRect/>
+          <a:stretch/>
         </p:blipFill>
         <p:spPr>
           <a:xfrm>
             <a:off x="17388944" y="30752105"/>
-            <a:ext cx="10917451" cy="4954455"/>
+            <a:ext cx="10917451" cy="4954454"/>
           </a:xfrm>
           <a:prstGeom prst="rect">
             <a:avLst/>
@@ -6863,14 +6862,13 @@
         </p:nvPicPr>
         <p:blipFill>
           <a:blip r:embed="rId6"/>
-          <a:stretch>
-            <a:fillRect/>
-          </a:stretch>
+          <a:srcRect/>
+          <a:stretch/>
         </p:blipFill>
         <p:spPr>
           <a:xfrm>
             <a:off x="17388944" y="35931724"/>
-            <a:ext cx="10917451" cy="4954455"/>
+            <a:ext cx="10917451" cy="4954454"/>
           </a:xfrm>
           <a:prstGeom prst="rect">
             <a:avLst/>
@@ -7094,14 +7092,13 @@
               </a:ext>
             </a:extLst>
           </a:blip>
-          <a:stretch>
-            <a:fillRect/>
-          </a:stretch>
+          <a:srcRect/>
+          <a:stretch/>
         </p:blipFill>
         <p:spPr>
           <a:xfrm>
-            <a:off x="2168413" y="14621611"/>
-            <a:ext cx="12611320" cy="7003866"/>
+            <a:off x="2168413" y="14632521"/>
+            <a:ext cx="12611320" cy="6982045"/>
           </a:xfrm>
           <a:prstGeom prst="rect">
             <a:avLst/>
@@ -7393,6 +7390,13 @@
           <a:lstStyle/>
           <a:p>
             <a:r>
+              <a:rPr lang="de-DE" sz="1200" dirty="0">
+                <a:latin typeface="Segoe UI" panose="020B0502040204020203" pitchFamily="34" charset="0"/>
+                <a:cs typeface="Segoe UI" panose="020B0502040204020203" pitchFamily="34" charset="0"/>
+              </a:rPr>
+              <a:t>Image 6: </a:t>
+            </a:r>
+            <a:r>
               <a:rPr lang="de-DE" sz="1200" dirty="0" err="1">
                 <a:latin typeface="Segoe UI" panose="020B0502040204020203" pitchFamily="34" charset="0"/>
                 <a:cs typeface="Segoe UI" panose="020B0502040204020203" pitchFamily="34" charset="0"/>
@@ -7495,7 +7499,7 @@
                 <a:latin typeface="Segoe UI" panose="020B0502040204020203" pitchFamily="34" charset="0"/>
                 <a:cs typeface="Segoe UI" panose="020B0502040204020203" pitchFamily="34" charset="0"/>
               </a:rPr>
-              <a:t>Impact </a:t>
+              <a:t>Image 5: Impact </a:t>
             </a:r>
             <a:r>
               <a:rPr lang="de-DE" sz="1200" dirty="0" err="1">
@@ -7628,7 +7632,7 @@
                 <a:latin typeface="Segoe UI" panose="020B0502040204020203" pitchFamily="34" charset="0"/>
                 <a:cs typeface="Segoe UI" panose="020B0502040204020203" pitchFamily="34" charset="0"/>
               </a:rPr>
-              <a:t>Learning </a:t>
+              <a:t>Image 4: Learning </a:t>
             </a:r>
             <a:r>
               <a:rPr lang="de-DE" sz="1200" dirty="0" err="1">
@@ -8610,24 +8614,6 @@
 </file>
 
 <file path=customXml/item1.xml><?xml version="1.0" encoding="utf-8"?>
-<p:properties xmlns:p="http://schemas.microsoft.com/office/2006/metadata/properties" xmlns:xsi="http://www.w3.org/2001/XMLSchema-instance" xmlns:pc="http://schemas.microsoft.com/office/infopath/2007/PartnerControls">
-  <documentManagement>
-    <Datei_x002d_Typ xmlns="0d8a9e77-e5df-4dea-a25d-6fd5fe8176f9">pptx</Datei_x002d_Typ>
-    <Vorlagen_x002d_Typ xmlns="0d8a9e77-e5df-4dea-a25d-6fd5fe8176f9">Poster wissenschaftlich</Vorlagen_x002d_Typ>
-  </documentManagement>
-</p:properties>
-</file>
-
-<file path=customXml/item2.xml><?xml version="1.0" encoding="utf-8"?>
-<?mso-contentType ?>
-<FormTemplates xmlns="http://schemas.microsoft.com/sharepoint/v3/contenttype/forms">
-  <Display>DocumentLibraryForm</Display>
-  <Edit>DocumentLibraryForm</Edit>
-  <New>DocumentLibraryForm</New>
-</FormTemplates>
-</file>
-
-<file path=customXml/item3.xml><?xml version="1.0" encoding="utf-8"?>
 <ct:contentTypeSchema xmlns:ct="http://schemas.microsoft.com/office/2006/metadata/contentType" xmlns:ma="http://schemas.microsoft.com/office/2006/metadata/properties/metaAttributes" ct:_="" ma:_="" ma:contentTypeName="Dokument" ma:contentTypeID="0x010100BF561F2B26307F469647E24EC60BB400" ma:contentTypeVersion="6" ma:contentTypeDescription="Ein neues Dokument erstellen." ma:contentTypeScope="" ma:versionID="4f979b4d35c23bcdf0530eadb6f3b4ca">
   <xsd:schema xmlns:xsd="http://www.w3.org/2001/XMLSchema" xmlns:xs="http://www.w3.org/2001/XMLSchema" xmlns:p="http://schemas.microsoft.com/office/2006/metadata/properties" xmlns:ns2="0d8a9e77-e5df-4dea-a25d-6fd5fe8176f9" targetNamespace="http://schemas.microsoft.com/office/2006/metadata/properties" ma:root="true" ma:fieldsID="839fb1b8b8081b8bc7e16d8b7b076f17" ns2:_="">
     <xsd:import namespace="0d8a9e77-e5df-4dea-a25d-6fd5fe8176f9"/>
@@ -8805,25 +8791,25 @@
 </ct:contentTypeSchema>
 </file>
 
-<file path=customXml/itemProps1.xml><?xml version="1.0" encoding="utf-8"?>
-<ds:datastoreItem xmlns:ds="http://schemas.openxmlformats.org/officeDocument/2006/customXml" ds:itemID="{93A96314-6CE3-4747-8FFF-5DB3352FDD8D}">
-  <ds:schemaRefs>
-    <ds:schemaRef ds:uri="http://schemas.microsoft.com/office/2006/metadata/properties"/>
-    <ds:schemaRef ds:uri="http://schemas.microsoft.com/office/infopath/2007/PartnerControls"/>
-    <ds:schemaRef ds:uri="0d8a9e77-e5df-4dea-a25d-6fd5fe8176f9"/>
-  </ds:schemaRefs>
-</ds:datastoreItem>
+<file path=customXml/item2.xml><?xml version="1.0" encoding="utf-8"?>
+<?mso-contentType ?>
+<FormTemplates xmlns="http://schemas.microsoft.com/sharepoint/v3/contenttype/forms">
+  <Display>DocumentLibraryForm</Display>
+  <Edit>DocumentLibraryForm</Edit>
+  <New>DocumentLibraryForm</New>
+</FormTemplates>
 </file>
 
-<file path=customXml/itemProps2.xml><?xml version="1.0" encoding="utf-8"?>
-<ds:datastoreItem xmlns:ds="http://schemas.openxmlformats.org/officeDocument/2006/customXml" ds:itemID="{5DC7943D-E0B0-4C98-87CE-5E1D610D3EF0}">
-  <ds:schemaRefs>
-    <ds:schemaRef ds:uri="http://schemas.microsoft.com/sharepoint/v3/contenttype/forms"/>
-  </ds:schemaRefs>
-</ds:datastoreItem>
+<file path=customXml/item3.xml><?xml version="1.0" encoding="utf-8"?>
+<p:properties xmlns:p="http://schemas.microsoft.com/office/2006/metadata/properties" xmlns:xsi="http://www.w3.org/2001/XMLSchema-instance" xmlns:pc="http://schemas.microsoft.com/office/infopath/2007/PartnerControls">
+  <documentManagement>
+    <Datei_x002d_Typ xmlns="0d8a9e77-e5df-4dea-a25d-6fd5fe8176f9">pptx</Datei_x002d_Typ>
+    <Vorlagen_x002d_Typ xmlns="0d8a9e77-e5df-4dea-a25d-6fd5fe8176f9">Poster wissenschaftlich</Vorlagen_x002d_Typ>
+  </documentManagement>
+</p:properties>
 </file>
 
-<file path=customXml/itemProps3.xml><?xml version="1.0" encoding="utf-8"?>
+<file path=customXml/itemProps1.xml><?xml version="1.0" encoding="utf-8"?>
 <ds:datastoreItem xmlns:ds="http://schemas.openxmlformats.org/officeDocument/2006/customXml" ds:itemID="{61CF5FA1-F6B2-4E1C-B324-AB3FEA1CBC13}">
   <ds:schemaRefs>
     <ds:schemaRef ds:uri="http://schemas.microsoft.com/office/2006/metadata/contentType"/>
@@ -8839,4 +8825,22 @@
     <ds:schemaRef ds:uri="http://schemas.microsoft.com/internal/obd"/>
   </ds:schemaRefs>
 </ds:datastoreItem>
+</file>
+
+<file path=customXml/itemProps2.xml><?xml version="1.0" encoding="utf-8"?>
+<ds:datastoreItem xmlns:ds="http://schemas.openxmlformats.org/officeDocument/2006/customXml" ds:itemID="{5DC7943D-E0B0-4C98-87CE-5E1D610D3EF0}">
+  <ds:schemaRefs>
+    <ds:schemaRef ds:uri="http://schemas.microsoft.com/sharepoint/v3/contenttype/forms"/>
+  </ds:schemaRefs>
+</ds:datastoreItem>
+</file>
+
+<file path=customXml/itemProps3.xml><?xml version="1.0" encoding="utf-8"?>
+<ds:datastoreItem xmlns:ds="http://schemas.openxmlformats.org/officeDocument/2006/customXml" ds:itemID="{93A96314-6CE3-4747-8FFF-5DB3352FDD8D}">
+  <ds:schemaRefs>
+    <ds:schemaRef ds:uri="http://schemas.microsoft.com/office/2006/metadata/properties"/>
+    <ds:schemaRef ds:uri="http://schemas.microsoft.com/office/infopath/2007/PartnerControls"/>
+    <ds:schemaRef ds:uri="0d8a9e77-e5df-4dea-a25d-6fd5fe8176f9"/>
+  </ds:schemaRefs>
+</ds:datastoreItem>
 </file>